--- a/PPT/05_向量的投影.pptx
+++ b/PPT/05_向量的投影.pptx
@@ -336,7 +336,7 @@
               <a:pPr>
                 <a:defRPr/>
               </a:pPr>
-              <a:t>2017/8/8</a:t>
+              <a:t>2017/8/9</a:t>
             </a:fld>
             <a:endParaRPr lang="zh-CN" altLang="en-US" sz="1200"/>
           </a:p>
@@ -3368,7 +3368,7 @@
         <p:spPr bwMode="auto">
           <a:xfrm>
             <a:off x="4473575" y="2787650"/>
-            <a:ext cx="4202113" cy="336550"/>
+            <a:ext cx="4202113" cy="336695"/>
           </a:xfrm>
           <a:prstGeom prst="rect">
             <a:avLst/>
@@ -3524,20 +3524,12 @@
               </a:lnSpc>
             </a:pPr>
             <a:r>
-              <a:rPr lang="zh-CN" altLang="en-US" sz="1200">
+              <a:rPr lang="en-US" altLang="zh-CN" sz="1200" dirty="0">
                 <a:solidFill>
-                  <a:srgbClr val="7F7F7F"/>
-                </a:solidFill>
-                <a:latin typeface="微软雅黑" panose="020B0503020204020204" pitchFamily="34" charset="-122"/>
-                <a:ea typeface="微软雅黑" panose="020B0503020204020204" pitchFamily="34" charset="-122"/>
-                <a:sym typeface="微软雅黑" panose="020B0503020204020204" pitchFamily="34" charset="-122"/>
-              </a:rPr>
-              <a:t>讲师的</a:t>
-            </a:r>
-            <a:r>
-              <a:rPr lang="en-US" altLang="zh-CN" sz="1200">
-                <a:solidFill>
-                  <a:srgbClr val="7F7F7F"/>
+                  <a:schemeClr val="tx1">
+                    <a:lumMod val="65000"/>
+                    <a:lumOff val="35000"/>
+                  </a:schemeClr>
                 </a:solidFill>
                 <a:latin typeface="微软雅黑" panose="020B0503020204020204" pitchFamily="34" charset="-122"/>
                 <a:ea typeface="微软雅黑" panose="020B0503020204020204" pitchFamily="34" charset="-122"/>
@@ -3546,9 +3538,12 @@
               <a:t>CSDN</a:t>
             </a:r>
             <a:r>
-              <a:rPr lang="zh-CN" altLang="en-US" sz="1200">
+              <a:rPr lang="zh-CN" altLang="en-US" sz="1200" dirty="0">
                 <a:solidFill>
-                  <a:srgbClr val="7F7F7F"/>
+                  <a:schemeClr val="tx1">
+                    <a:lumMod val="65000"/>
+                    <a:lumOff val="35000"/>
+                  </a:schemeClr>
                 </a:solidFill>
                 <a:latin typeface="微软雅黑" panose="020B0503020204020204" pitchFamily="34" charset="-122"/>
                 <a:ea typeface="微软雅黑" panose="020B0503020204020204" pitchFamily="34" charset="-122"/>
@@ -3556,9 +3551,12 @@
               </a:rPr>
               <a:t>博客地址</a:t>
             </a:r>
-            <a:endParaRPr lang="en-US" altLang="zh-CN" sz="1200">
+            <a:endParaRPr lang="en-US" altLang="zh-CN" sz="1200" dirty="0">
               <a:solidFill>
-                <a:srgbClr val="7F7F7F"/>
+                <a:schemeClr val="tx1">
+                  <a:lumMod val="65000"/>
+                  <a:lumOff val="35000"/>
+                </a:schemeClr>
               </a:solidFill>
               <a:latin typeface="微软雅黑" panose="020B0503020204020204" pitchFamily="34" charset="-122"/>
               <a:ea typeface="微软雅黑" panose="020B0503020204020204" pitchFamily="34" charset="-122"/>
@@ -4121,7 +4119,10 @@
             <a:r>
               <a:rPr lang="en-US" altLang="zh-CN" sz="1200">
                 <a:solidFill>
-                  <a:srgbClr val="A5A5A5"/>
+                  <a:schemeClr val="tx1">
+                    <a:lumMod val="65000"/>
+                    <a:lumOff val="35000"/>
+                  </a:schemeClr>
                 </a:solidFill>
                 <a:latin typeface="微软雅黑" panose="020B0503020204020204" pitchFamily="34" charset="-122"/>
                 <a:ea typeface="微软雅黑" panose="020B0503020204020204" pitchFamily="34" charset="-122"/>
@@ -4131,7 +4132,10 @@
             </a:r>
             <a:endParaRPr lang="zh-CN" altLang="en-US" sz="1200">
               <a:solidFill>
-                <a:srgbClr val="A5A5A5"/>
+                <a:schemeClr val="tx1">
+                  <a:lumMod val="65000"/>
+                  <a:lumOff val="35000"/>
+                </a:schemeClr>
               </a:solidFill>
               <a:latin typeface="微软雅黑" panose="020B0503020204020204" pitchFamily="34" charset="-122"/>
               <a:ea typeface="微软雅黑" panose="020B0503020204020204" pitchFamily="34" charset="-122"/>
@@ -4376,8 +4380,8 @@
           </a:p>
         </p:txBody>
       </p:sp>
-      <mc:AlternateContent xmlns:mc="http://schemas.openxmlformats.org/markup-compatibility/2006">
-        <mc:Choice xmlns:a14="http://schemas.microsoft.com/office/drawing/2010/main" Requires="a14">
+      <mc:AlternateContent xmlns:mc="http://schemas.openxmlformats.org/markup-compatibility/2006" xmlns:a14="http://schemas.microsoft.com/office/drawing/2010/main">
+        <mc:Choice Requires="a14">
           <p:sp>
             <p:nvSpPr>
               <p:cNvPr id="4" name="Content Placeholder 3">
@@ -4912,7 +4916,7 @@
             </p:txBody>
           </p:sp>
         </mc:Choice>
-        <mc:Fallback>
+        <mc:Fallback xmlns="">
           <p:sp>
             <p:nvSpPr>
               <p:cNvPr id="4" name="Content Placeholder 3">
@@ -5128,8 +5132,8 @@
           </a:p>
         </p:txBody>
       </p:sp>
-      <mc:AlternateContent xmlns:mc="http://schemas.openxmlformats.org/markup-compatibility/2006">
-        <mc:Choice xmlns:a14="http://schemas.microsoft.com/office/drawing/2010/main" Requires="a14">
+      <mc:AlternateContent xmlns:mc="http://schemas.openxmlformats.org/markup-compatibility/2006" xmlns:a14="http://schemas.microsoft.com/office/drawing/2010/main">
+        <mc:Choice Requires="a14">
           <p:sp>
             <p:nvSpPr>
               <p:cNvPr id="4" name="Content Placeholder 3">
@@ -5664,7 +5668,7 @@
             </p:txBody>
           </p:sp>
         </mc:Choice>
-        <mc:Fallback>
+        <mc:Fallback xmlns="">
           <p:sp>
             <p:nvSpPr>
               <p:cNvPr id="4" name="Content Placeholder 3">
@@ -5709,8 +5713,8 @@
           </p:sp>
         </mc:Fallback>
       </mc:AlternateContent>
-      <mc:AlternateContent xmlns:mc="http://schemas.openxmlformats.org/markup-compatibility/2006">
-        <mc:Choice xmlns:a14="http://schemas.microsoft.com/office/drawing/2010/main" Requires="a14">
+      <mc:AlternateContent xmlns:mc="http://schemas.openxmlformats.org/markup-compatibility/2006" xmlns:a14="http://schemas.microsoft.com/office/drawing/2010/main">
+        <mc:Choice Requires="a14">
           <p:sp>
             <p:nvSpPr>
               <p:cNvPr id="2" name="矩形 1">
@@ -6159,33 +6163,7 @@
                               <a:latin typeface="Cambria Math" panose="02040503050406030204" pitchFamily="18" charset="0"/>
                               <a:ea typeface="微软雅黑 Light" panose="020B0502040204020203" pitchFamily="34" charset="-122"/>
                             </a:rPr>
-                            <m:t>(1,</m:t>
-                          </m:r>
-                          <m:r>
-                            <a:rPr lang="en-US" altLang="zh-CN" sz="2400" i="1" dirty="0">
-                              <a:solidFill>
-                                <a:schemeClr val="tx1">
-                                  <a:lumMod val="65000"/>
-                                  <a:lumOff val="35000"/>
-                                </a:schemeClr>
-                              </a:solidFill>
-                              <a:latin typeface="Cambria Math" panose="02040503050406030204" pitchFamily="18" charset="0"/>
-                              <a:ea typeface="微软雅黑 Light" panose="020B0502040204020203" pitchFamily="34" charset="-122"/>
-                            </a:rPr>
-                            <m:t>1</m:t>
-                          </m:r>
-                          <m:r>
-                            <a:rPr lang="en-US" altLang="zh-CN" sz="2400" i="1" dirty="0">
-                              <a:solidFill>
-                                <a:schemeClr val="tx1">
-                                  <a:lumMod val="65000"/>
-                                  <a:lumOff val="35000"/>
-                                </a:schemeClr>
-                              </a:solidFill>
-                              <a:latin typeface="Cambria Math" panose="02040503050406030204" pitchFamily="18" charset="0"/>
-                              <a:ea typeface="微软雅黑 Light" panose="020B0502040204020203" pitchFamily="34" charset="-122"/>
-                            </a:rPr>
-                            <m:t>)</m:t>
+                            <m:t>(1,1)</m:t>
                           </m:r>
                         </m:e>
                         <m:sup>
@@ -6331,7 +6309,7 @@
             </p:txBody>
           </p:sp>
         </mc:Choice>
-        <mc:Fallback>
+        <mc:Fallback xmlns="">
           <p:sp>
             <p:nvSpPr>
               <p:cNvPr id="2" name="矩形 1">
@@ -6547,8 +6525,8 @@
           </a:p>
         </p:txBody>
       </p:sp>
-      <mc:AlternateContent xmlns:mc="http://schemas.openxmlformats.org/markup-compatibility/2006">
-        <mc:Choice xmlns:a14="http://schemas.microsoft.com/office/drawing/2010/main" Requires="a14">
+      <mc:AlternateContent xmlns:mc="http://schemas.openxmlformats.org/markup-compatibility/2006" xmlns:a14="http://schemas.microsoft.com/office/drawing/2010/main">
+        <mc:Choice Requires="a14">
           <p:sp>
             <p:nvSpPr>
               <p:cNvPr id="4" name="Content Placeholder 3">
@@ -7083,7 +7061,7 @@
             </p:txBody>
           </p:sp>
         </mc:Choice>
-        <mc:Fallback>
+        <mc:Fallback xmlns="">
           <p:sp>
             <p:nvSpPr>
               <p:cNvPr id="4" name="Content Placeholder 3">
@@ -7128,8 +7106,8 @@
           </p:sp>
         </mc:Fallback>
       </mc:AlternateContent>
-      <mc:AlternateContent xmlns:mc="http://schemas.openxmlformats.org/markup-compatibility/2006">
-        <mc:Choice xmlns:a14="http://schemas.microsoft.com/office/drawing/2010/main" Requires="a14">
+      <mc:AlternateContent xmlns:mc="http://schemas.openxmlformats.org/markup-compatibility/2006" xmlns:a14="http://schemas.microsoft.com/office/drawing/2010/main">
+        <mc:Choice Requires="a14">
           <p:sp>
             <p:nvSpPr>
               <p:cNvPr id="2" name="矩形 1">
@@ -7578,33 +7556,7 @@
                               <a:latin typeface="Cambria Math" panose="02040503050406030204" pitchFamily="18" charset="0"/>
                               <a:ea typeface="微软雅黑 Light" panose="020B0502040204020203" pitchFamily="34" charset="-122"/>
                             </a:rPr>
-                            <m:t>(1,</m:t>
-                          </m:r>
-                          <m:r>
-                            <a:rPr lang="en-US" altLang="zh-CN" sz="2400" i="1" dirty="0">
-                              <a:solidFill>
-                                <a:schemeClr val="tx1">
-                                  <a:lumMod val="65000"/>
-                                  <a:lumOff val="35000"/>
-                                </a:schemeClr>
-                              </a:solidFill>
-                              <a:latin typeface="Cambria Math" panose="02040503050406030204" pitchFamily="18" charset="0"/>
-                              <a:ea typeface="微软雅黑 Light" panose="020B0502040204020203" pitchFamily="34" charset="-122"/>
-                            </a:rPr>
-                            <m:t>1</m:t>
-                          </m:r>
-                          <m:r>
-                            <a:rPr lang="en-US" altLang="zh-CN" sz="2400" i="1" dirty="0">
-                              <a:solidFill>
-                                <a:schemeClr val="tx1">
-                                  <a:lumMod val="65000"/>
-                                  <a:lumOff val="35000"/>
-                                </a:schemeClr>
-                              </a:solidFill>
-                              <a:latin typeface="Cambria Math" panose="02040503050406030204" pitchFamily="18" charset="0"/>
-                              <a:ea typeface="微软雅黑 Light" panose="020B0502040204020203" pitchFamily="34" charset="-122"/>
-                            </a:rPr>
-                            <m:t>)</m:t>
+                            <m:t>(1,1)</m:t>
                           </m:r>
                         </m:e>
                         <m:sup>
@@ -7962,33 +7914,7 @@
                                   <a:latin typeface="Cambria Math" panose="02040503050406030204" pitchFamily="18" charset="0"/>
                                   <a:ea typeface="微软雅黑 Light" panose="020B0502040204020203" pitchFamily="34" charset="-122"/>
                                 </a:rPr>
-                                <m:t>2</m:t>
-                              </m:r>
-                              <m:r>
-                                <a:rPr lang="en-US" altLang="zh-CN" sz="2400" i="1" dirty="0">
-                                  <a:solidFill>
-                                    <a:schemeClr val="tx1">
-                                      <a:lumMod val="65000"/>
-                                      <a:lumOff val="35000"/>
-                                    </a:schemeClr>
-                                  </a:solidFill>
-                                  <a:latin typeface="Cambria Math" panose="02040503050406030204" pitchFamily="18" charset="0"/>
-                                  <a:ea typeface="微软雅黑 Light" panose="020B0502040204020203" pitchFamily="34" charset="-122"/>
-                                </a:rPr>
-                                <m:t>,</m:t>
-                              </m:r>
-                              <m:r>
-                                <a:rPr lang="en-US" altLang="zh-CN" sz="2400" i="1" dirty="0">
-                                  <a:solidFill>
-                                    <a:schemeClr val="tx1">
-                                      <a:lumMod val="65000"/>
-                                      <a:lumOff val="35000"/>
-                                    </a:schemeClr>
-                                  </a:solidFill>
-                                  <a:latin typeface="Cambria Math" panose="02040503050406030204" pitchFamily="18" charset="0"/>
-                                  <a:ea typeface="微软雅黑 Light" panose="020B0502040204020203" pitchFamily="34" charset="-122"/>
-                                </a:rPr>
-                                <m:t>2</m:t>
+                                <m:t>2,2</m:t>
                               </m:r>
                             </m:e>
                           </m:d>
@@ -8128,7 +8054,7 @@
             </p:txBody>
           </p:sp>
         </mc:Choice>
-        <mc:Fallback>
+        <mc:Fallback xmlns="">
           <p:sp>
             <p:nvSpPr>
               <p:cNvPr id="2" name="矩形 1">
@@ -9692,8 +9618,8 @@
           </a:p>
         </p:txBody>
       </p:sp>
-      <mc:AlternateContent xmlns:mc="http://schemas.openxmlformats.org/markup-compatibility/2006">
-        <mc:Choice xmlns:a14="http://schemas.microsoft.com/office/drawing/2010/main" Requires="a14">
+      <mc:AlternateContent xmlns:mc="http://schemas.openxmlformats.org/markup-compatibility/2006" xmlns:a14="http://schemas.microsoft.com/office/drawing/2010/main">
+        <mc:Choice Requires="a14">
           <p:sp>
             <p:nvSpPr>
               <p:cNvPr id="4" name="Content Placeholder 3">
@@ -10085,7 +10011,7 @@
             </p:txBody>
           </p:sp>
         </mc:Choice>
-        <mc:Fallback>
+        <mc:Fallback xmlns="">
           <p:sp>
             <p:nvSpPr>
               <p:cNvPr id="4" name="Content Placeholder 3">
@@ -10175,8 +10101,8 @@
           </a:fontRef>
         </p:style>
       </p:cxnSp>
-      <mc:AlternateContent xmlns:mc="http://schemas.openxmlformats.org/markup-compatibility/2006">
-        <mc:Choice xmlns:a14="http://schemas.microsoft.com/office/drawing/2010/main" Requires="a14">
+      <mc:AlternateContent xmlns:mc="http://schemas.openxmlformats.org/markup-compatibility/2006" xmlns:a14="http://schemas.microsoft.com/office/drawing/2010/main">
+        <mc:Choice Requires="a14">
           <p:sp>
             <p:nvSpPr>
               <p:cNvPr id="9" name="文本框 8">
@@ -10324,7 +10250,7 @@
             </p:txBody>
           </p:sp>
         </mc:Choice>
-        <mc:Fallback>
+        <mc:Fallback xmlns="">
           <p:sp>
             <p:nvSpPr>
               <p:cNvPr id="9" name="文本框 8">
@@ -10414,8 +10340,8 @@
           </a:fontRef>
         </p:style>
       </p:cxnSp>
-      <mc:AlternateContent xmlns:mc="http://schemas.openxmlformats.org/markup-compatibility/2006">
-        <mc:Choice xmlns:a14="http://schemas.microsoft.com/office/drawing/2010/main" Requires="a14">
+      <mc:AlternateContent xmlns:mc="http://schemas.openxmlformats.org/markup-compatibility/2006" xmlns:a14="http://schemas.microsoft.com/office/drawing/2010/main">
+        <mc:Choice Requires="a14">
           <p:sp>
             <p:nvSpPr>
               <p:cNvPr id="11" name="矩形 10">
@@ -10464,7 +10390,7 @@
             </p:txBody>
           </p:sp>
         </mc:Choice>
-        <mc:Fallback>
+        <mc:Fallback xmlns="">
           <p:sp>
             <p:nvSpPr>
               <p:cNvPr id="11" name="矩形 10">
@@ -10509,8 +10435,8 @@
           </p:sp>
         </mc:Fallback>
       </mc:AlternateContent>
-      <mc:AlternateContent xmlns:mc="http://schemas.openxmlformats.org/markup-compatibility/2006">
-        <mc:Choice xmlns:a14="http://schemas.microsoft.com/office/drawing/2010/main" Requires="a14">
+      <mc:AlternateContent xmlns:mc="http://schemas.openxmlformats.org/markup-compatibility/2006" xmlns:a14="http://schemas.microsoft.com/office/drawing/2010/main">
+        <mc:Choice Requires="a14">
           <p:sp>
             <p:nvSpPr>
               <p:cNvPr id="12" name="矩形 11">
@@ -10585,7 +10511,7 @@
             </p:txBody>
           </p:sp>
         </mc:Choice>
-        <mc:Fallback>
+        <mc:Fallback xmlns="">
           <p:sp>
             <p:nvSpPr>
               <p:cNvPr id="12" name="矩形 11">
@@ -10675,8 +10601,8 @@
           </a:fontRef>
         </p:style>
       </p:cxnSp>
-      <mc:AlternateContent xmlns:mc="http://schemas.openxmlformats.org/markup-compatibility/2006">
-        <mc:Choice xmlns:a14="http://schemas.microsoft.com/office/drawing/2010/main" Requires="a14">
+      <mc:AlternateContent xmlns:mc="http://schemas.openxmlformats.org/markup-compatibility/2006" xmlns:a14="http://schemas.microsoft.com/office/drawing/2010/main">
+        <mc:Choice Requires="a14">
           <p:sp>
             <p:nvSpPr>
               <p:cNvPr id="13" name="矩形 12">
@@ -10751,7 +10677,7 @@
             </p:txBody>
           </p:sp>
         </mc:Choice>
-        <mc:Fallback>
+        <mc:Fallback xmlns="">
           <p:sp>
             <p:nvSpPr>
               <p:cNvPr id="13" name="矩形 12">
@@ -10937,8 +10863,8 @@
           </a:extLst>
         </p:spPr>
       </p:cxnSp>
-      <mc:AlternateContent xmlns:mc="http://schemas.openxmlformats.org/markup-compatibility/2006">
-        <mc:Choice xmlns:a14="http://schemas.microsoft.com/office/drawing/2010/main" Requires="a14">
+      <mc:AlternateContent xmlns:mc="http://schemas.openxmlformats.org/markup-compatibility/2006" xmlns:a14="http://schemas.microsoft.com/office/drawing/2010/main">
+        <mc:Choice Requires="a14">
           <p:sp>
             <p:nvSpPr>
               <p:cNvPr id="31" name="矩形 30">
@@ -11096,7 +11022,7 @@
             </p:txBody>
           </p:sp>
         </mc:Choice>
-        <mc:Fallback>
+        <mc:Fallback xmlns="">
           <p:sp>
             <p:nvSpPr>
               <p:cNvPr id="31" name="矩形 30">
@@ -11141,8 +11067,8 @@
           </p:sp>
         </mc:Fallback>
       </mc:AlternateContent>
-      <mc:AlternateContent xmlns:mc="http://schemas.openxmlformats.org/markup-compatibility/2006">
-        <mc:Choice xmlns:a14="http://schemas.microsoft.com/office/drawing/2010/main" Requires="a14">
+      <mc:AlternateContent xmlns:mc="http://schemas.openxmlformats.org/markup-compatibility/2006" xmlns:a14="http://schemas.microsoft.com/office/drawing/2010/main">
+        <mc:Choice Requires="a14">
           <p:sp>
             <p:nvSpPr>
               <p:cNvPr id="34" name="文本框 33">
@@ -11290,7 +11216,7 @@
             </p:txBody>
           </p:sp>
         </mc:Choice>
-        <mc:Fallback>
+        <mc:Fallback xmlns="">
           <p:sp>
             <p:nvSpPr>
               <p:cNvPr id="34" name="文本框 33">
@@ -11501,8 +11427,8 @@
           </a:p>
         </p:txBody>
       </p:sp>
-      <mc:AlternateContent xmlns:mc="http://schemas.openxmlformats.org/markup-compatibility/2006">
-        <mc:Choice xmlns:a14="http://schemas.microsoft.com/office/drawing/2010/main" Requires="a14">
+      <mc:AlternateContent xmlns:mc="http://schemas.openxmlformats.org/markup-compatibility/2006" xmlns:a14="http://schemas.microsoft.com/office/drawing/2010/main">
+        <mc:Choice Requires="a14">
           <p:sp>
             <p:nvSpPr>
               <p:cNvPr id="4" name="Content Placeholder 3">
@@ -12038,7 +11964,7 @@
             </p:txBody>
           </p:sp>
         </mc:Choice>
-        <mc:Fallback>
+        <mc:Fallback xmlns="">
           <p:sp>
             <p:nvSpPr>
               <p:cNvPr id="4" name="Content Placeholder 3">
@@ -12128,8 +12054,8 @@
           </a:fontRef>
         </p:style>
       </p:cxnSp>
-      <mc:AlternateContent xmlns:mc="http://schemas.openxmlformats.org/markup-compatibility/2006">
-        <mc:Choice xmlns:a14="http://schemas.microsoft.com/office/drawing/2010/main" Requires="a14">
+      <mc:AlternateContent xmlns:mc="http://schemas.openxmlformats.org/markup-compatibility/2006" xmlns:a14="http://schemas.microsoft.com/office/drawing/2010/main">
+        <mc:Choice Requires="a14">
           <p:sp>
             <p:nvSpPr>
               <p:cNvPr id="9" name="文本框 8">
@@ -12277,7 +12203,7 @@
             </p:txBody>
           </p:sp>
         </mc:Choice>
-        <mc:Fallback>
+        <mc:Fallback xmlns="">
           <p:sp>
             <p:nvSpPr>
               <p:cNvPr id="9" name="文本框 8">
@@ -12367,8 +12293,8 @@
           </a:fontRef>
         </p:style>
       </p:cxnSp>
-      <mc:AlternateContent xmlns:mc="http://schemas.openxmlformats.org/markup-compatibility/2006">
-        <mc:Choice xmlns:a14="http://schemas.microsoft.com/office/drawing/2010/main" Requires="a14">
+      <mc:AlternateContent xmlns:mc="http://schemas.openxmlformats.org/markup-compatibility/2006" xmlns:a14="http://schemas.microsoft.com/office/drawing/2010/main">
+        <mc:Choice Requires="a14">
           <p:sp>
             <p:nvSpPr>
               <p:cNvPr id="11" name="矩形 10">
@@ -12417,7 +12343,7 @@
             </p:txBody>
           </p:sp>
         </mc:Choice>
-        <mc:Fallback>
+        <mc:Fallback xmlns="">
           <p:sp>
             <p:nvSpPr>
               <p:cNvPr id="11" name="矩形 10">
@@ -12462,8 +12388,8 @@
           </p:sp>
         </mc:Fallback>
       </mc:AlternateContent>
-      <mc:AlternateContent xmlns:mc="http://schemas.openxmlformats.org/markup-compatibility/2006">
-        <mc:Choice xmlns:a14="http://schemas.microsoft.com/office/drawing/2010/main" Requires="a14">
+      <mc:AlternateContent xmlns:mc="http://schemas.openxmlformats.org/markup-compatibility/2006" xmlns:a14="http://schemas.microsoft.com/office/drawing/2010/main">
+        <mc:Choice Requires="a14">
           <p:sp>
             <p:nvSpPr>
               <p:cNvPr id="12" name="矩形 11">
@@ -12538,7 +12464,7 @@
             </p:txBody>
           </p:sp>
         </mc:Choice>
-        <mc:Fallback>
+        <mc:Fallback xmlns="">
           <p:sp>
             <p:nvSpPr>
               <p:cNvPr id="12" name="矩形 11">
@@ -12628,8 +12554,8 @@
           </a:fontRef>
         </p:style>
       </p:cxnSp>
-      <mc:AlternateContent xmlns:mc="http://schemas.openxmlformats.org/markup-compatibility/2006">
-        <mc:Choice xmlns:a14="http://schemas.microsoft.com/office/drawing/2010/main" Requires="a14">
+      <mc:AlternateContent xmlns:mc="http://schemas.openxmlformats.org/markup-compatibility/2006" xmlns:a14="http://schemas.microsoft.com/office/drawing/2010/main">
+        <mc:Choice Requires="a14">
           <p:sp>
             <p:nvSpPr>
               <p:cNvPr id="13" name="矩形 12">
@@ -12704,7 +12630,7 @@
             </p:txBody>
           </p:sp>
         </mc:Choice>
-        <mc:Fallback>
+        <mc:Fallback xmlns="">
           <p:sp>
             <p:nvSpPr>
               <p:cNvPr id="13" name="矩形 12">
@@ -12890,8 +12816,8 @@
           </a:extLst>
         </p:spPr>
       </p:cxnSp>
-      <mc:AlternateContent xmlns:mc="http://schemas.openxmlformats.org/markup-compatibility/2006">
-        <mc:Choice xmlns:a14="http://schemas.microsoft.com/office/drawing/2010/main" Requires="a14">
+      <mc:AlternateContent xmlns:mc="http://schemas.openxmlformats.org/markup-compatibility/2006" xmlns:a14="http://schemas.microsoft.com/office/drawing/2010/main">
+        <mc:Choice Requires="a14">
           <p:sp>
             <p:nvSpPr>
               <p:cNvPr id="31" name="矩形 30">
@@ -13049,7 +12975,7 @@
             </p:txBody>
           </p:sp>
         </mc:Choice>
-        <mc:Fallback>
+        <mc:Fallback xmlns="">
           <p:sp>
             <p:nvSpPr>
               <p:cNvPr id="31" name="矩形 30">
@@ -13094,8 +13020,8 @@
           </p:sp>
         </mc:Fallback>
       </mc:AlternateContent>
-      <mc:AlternateContent xmlns:mc="http://schemas.openxmlformats.org/markup-compatibility/2006">
-        <mc:Choice xmlns:a14="http://schemas.microsoft.com/office/drawing/2010/main" Requires="a14">
+      <mc:AlternateContent xmlns:mc="http://schemas.openxmlformats.org/markup-compatibility/2006" xmlns:a14="http://schemas.microsoft.com/office/drawing/2010/main">
+        <mc:Choice Requires="a14">
           <p:sp>
             <p:nvSpPr>
               <p:cNvPr id="34" name="文本框 33">
@@ -13243,7 +13169,7 @@
             </p:txBody>
           </p:sp>
         </mc:Choice>
-        <mc:Fallback>
+        <mc:Fallback xmlns="">
           <p:sp>
             <p:nvSpPr>
               <p:cNvPr id="34" name="文本框 33">
@@ -13288,8 +13214,8 @@
           </p:sp>
         </mc:Fallback>
       </mc:AlternateContent>
-      <mc:AlternateContent xmlns:mc="http://schemas.openxmlformats.org/markup-compatibility/2006">
-        <mc:Choice xmlns:a14="http://schemas.microsoft.com/office/drawing/2010/main" Requires="a14">
+      <mc:AlternateContent xmlns:mc="http://schemas.openxmlformats.org/markup-compatibility/2006" xmlns:a14="http://schemas.microsoft.com/office/drawing/2010/main">
+        <mc:Choice Requires="a14">
           <p:sp>
             <p:nvSpPr>
               <p:cNvPr id="2" name="矩形 1">
@@ -13317,6 +13243,7 @@
               </a:bodyPr>
               <a:lstStyle/>
               <a:p>
+                <a:pPr/>
                 <a14:m>
                   <m:oMathPara xmlns:m="http://schemas.openxmlformats.org/officeDocument/2006/math">
                     <m:oMathParaPr>
@@ -13541,7 +13468,7 @@
             </p:txBody>
           </p:sp>
         </mc:Choice>
-        <mc:Fallback>
+        <mc:Fallback xmlns="">
           <p:sp>
             <p:nvSpPr>
               <p:cNvPr id="2" name="矩形 1">
@@ -13757,8 +13684,8 @@
           </a:p>
         </p:txBody>
       </p:sp>
-      <mc:AlternateContent xmlns:mc="http://schemas.openxmlformats.org/markup-compatibility/2006">
-        <mc:Choice xmlns:a14="http://schemas.microsoft.com/office/drawing/2010/main" Requires="a14">
+      <mc:AlternateContent xmlns:mc="http://schemas.openxmlformats.org/markup-compatibility/2006" xmlns:a14="http://schemas.microsoft.com/office/drawing/2010/main">
+        <mc:Choice Requires="a14">
           <p:sp>
             <p:nvSpPr>
               <p:cNvPr id="4" name="Content Placeholder 3">
@@ -14294,7 +14221,7 @@
             </p:txBody>
           </p:sp>
         </mc:Choice>
-        <mc:Fallback>
+        <mc:Fallback xmlns="">
           <p:sp>
             <p:nvSpPr>
               <p:cNvPr id="4" name="Content Placeholder 3">
@@ -14384,8 +14311,8 @@
           </a:fontRef>
         </p:style>
       </p:cxnSp>
-      <mc:AlternateContent xmlns:mc="http://schemas.openxmlformats.org/markup-compatibility/2006">
-        <mc:Choice xmlns:a14="http://schemas.microsoft.com/office/drawing/2010/main" Requires="a14">
+      <mc:AlternateContent xmlns:mc="http://schemas.openxmlformats.org/markup-compatibility/2006" xmlns:a14="http://schemas.microsoft.com/office/drawing/2010/main">
+        <mc:Choice Requires="a14">
           <p:sp>
             <p:nvSpPr>
               <p:cNvPr id="9" name="文本框 8">
@@ -14533,7 +14460,7 @@
             </p:txBody>
           </p:sp>
         </mc:Choice>
-        <mc:Fallback>
+        <mc:Fallback xmlns="">
           <p:sp>
             <p:nvSpPr>
               <p:cNvPr id="9" name="文本框 8">
@@ -14623,8 +14550,8 @@
           </a:fontRef>
         </p:style>
       </p:cxnSp>
-      <mc:AlternateContent xmlns:mc="http://schemas.openxmlformats.org/markup-compatibility/2006">
-        <mc:Choice xmlns:a14="http://schemas.microsoft.com/office/drawing/2010/main" Requires="a14">
+      <mc:AlternateContent xmlns:mc="http://schemas.openxmlformats.org/markup-compatibility/2006" xmlns:a14="http://schemas.microsoft.com/office/drawing/2010/main">
+        <mc:Choice Requires="a14">
           <p:sp>
             <p:nvSpPr>
               <p:cNvPr id="11" name="矩形 10">
@@ -14673,7 +14600,7 @@
             </p:txBody>
           </p:sp>
         </mc:Choice>
-        <mc:Fallback>
+        <mc:Fallback xmlns="">
           <p:sp>
             <p:nvSpPr>
               <p:cNvPr id="11" name="矩形 10">
@@ -14718,8 +14645,8 @@
           </p:sp>
         </mc:Fallback>
       </mc:AlternateContent>
-      <mc:AlternateContent xmlns:mc="http://schemas.openxmlformats.org/markup-compatibility/2006">
-        <mc:Choice xmlns:a14="http://schemas.microsoft.com/office/drawing/2010/main" Requires="a14">
+      <mc:AlternateContent xmlns:mc="http://schemas.openxmlformats.org/markup-compatibility/2006" xmlns:a14="http://schemas.microsoft.com/office/drawing/2010/main">
+        <mc:Choice Requires="a14">
           <p:sp>
             <p:nvSpPr>
               <p:cNvPr id="12" name="矩形 11">
@@ -14794,7 +14721,7 @@
             </p:txBody>
           </p:sp>
         </mc:Choice>
-        <mc:Fallback>
+        <mc:Fallback xmlns="">
           <p:sp>
             <p:nvSpPr>
               <p:cNvPr id="12" name="矩形 11">
@@ -14884,8 +14811,8 @@
           </a:fontRef>
         </p:style>
       </p:cxnSp>
-      <mc:AlternateContent xmlns:mc="http://schemas.openxmlformats.org/markup-compatibility/2006">
-        <mc:Choice xmlns:a14="http://schemas.microsoft.com/office/drawing/2010/main" Requires="a14">
+      <mc:AlternateContent xmlns:mc="http://schemas.openxmlformats.org/markup-compatibility/2006" xmlns:a14="http://schemas.microsoft.com/office/drawing/2010/main">
+        <mc:Choice Requires="a14">
           <p:sp>
             <p:nvSpPr>
               <p:cNvPr id="13" name="矩形 12">
@@ -14960,7 +14887,7 @@
             </p:txBody>
           </p:sp>
         </mc:Choice>
-        <mc:Fallback>
+        <mc:Fallback xmlns="">
           <p:sp>
             <p:nvSpPr>
               <p:cNvPr id="13" name="矩形 12">
@@ -15146,8 +15073,8 @@
           </a:extLst>
         </p:spPr>
       </p:cxnSp>
-      <mc:AlternateContent xmlns:mc="http://schemas.openxmlformats.org/markup-compatibility/2006">
-        <mc:Choice xmlns:a14="http://schemas.microsoft.com/office/drawing/2010/main" Requires="a14">
+      <mc:AlternateContent xmlns:mc="http://schemas.openxmlformats.org/markup-compatibility/2006" xmlns:a14="http://schemas.microsoft.com/office/drawing/2010/main">
+        <mc:Choice Requires="a14">
           <p:sp>
             <p:nvSpPr>
               <p:cNvPr id="31" name="矩形 30">
@@ -15305,7 +15232,7 @@
             </p:txBody>
           </p:sp>
         </mc:Choice>
-        <mc:Fallback>
+        <mc:Fallback xmlns="">
           <p:sp>
             <p:nvSpPr>
               <p:cNvPr id="31" name="矩形 30">
@@ -15350,8 +15277,8 @@
           </p:sp>
         </mc:Fallback>
       </mc:AlternateContent>
-      <mc:AlternateContent xmlns:mc="http://schemas.openxmlformats.org/markup-compatibility/2006">
-        <mc:Choice xmlns:a14="http://schemas.microsoft.com/office/drawing/2010/main" Requires="a14">
+      <mc:AlternateContent xmlns:mc="http://schemas.openxmlformats.org/markup-compatibility/2006" xmlns:a14="http://schemas.microsoft.com/office/drawing/2010/main">
+        <mc:Choice Requires="a14">
           <p:sp>
             <p:nvSpPr>
               <p:cNvPr id="34" name="文本框 33">
@@ -15499,7 +15426,7 @@
             </p:txBody>
           </p:sp>
         </mc:Choice>
-        <mc:Fallback>
+        <mc:Fallback xmlns="">
           <p:sp>
             <p:nvSpPr>
               <p:cNvPr id="34" name="文本框 33">
@@ -15544,8 +15471,8 @@
           </p:sp>
         </mc:Fallback>
       </mc:AlternateContent>
-      <mc:AlternateContent xmlns:mc="http://schemas.openxmlformats.org/markup-compatibility/2006">
-        <mc:Choice xmlns:a14="http://schemas.microsoft.com/office/drawing/2010/main" Requires="a14">
+      <mc:AlternateContent xmlns:mc="http://schemas.openxmlformats.org/markup-compatibility/2006" xmlns:a14="http://schemas.microsoft.com/office/drawing/2010/main">
+        <mc:Choice Requires="a14">
           <p:sp>
             <p:nvSpPr>
               <p:cNvPr id="2" name="矩形 1">
@@ -15573,6 +15500,7 @@
               </a:bodyPr>
               <a:lstStyle/>
               <a:p>
+                <a:pPr/>
                 <a14:m>
                   <m:oMathPara xmlns:m="http://schemas.openxmlformats.org/officeDocument/2006/math">
                     <m:oMathParaPr>
@@ -15797,7 +15725,7 @@
             </p:txBody>
           </p:sp>
         </mc:Choice>
-        <mc:Fallback>
+        <mc:Fallback xmlns="">
           <p:sp>
             <p:nvSpPr>
               <p:cNvPr id="2" name="矩形 1">
@@ -15842,8 +15770,8 @@
           </p:sp>
         </mc:Fallback>
       </mc:AlternateContent>
-      <mc:AlternateContent xmlns:mc="http://schemas.openxmlformats.org/markup-compatibility/2006">
-        <mc:Choice xmlns:a14="http://schemas.microsoft.com/office/drawing/2010/main" Requires="a14">
+      <mc:AlternateContent xmlns:mc="http://schemas.openxmlformats.org/markup-compatibility/2006" xmlns:a14="http://schemas.microsoft.com/office/drawing/2010/main">
+        <mc:Choice Requires="a14">
           <p:sp>
             <p:nvSpPr>
               <p:cNvPr id="19" name="矩形 18">
@@ -16068,7 +15996,7 @@
             </p:txBody>
           </p:sp>
         </mc:Choice>
-        <mc:Fallback>
+        <mc:Fallback xmlns="">
           <p:sp>
             <p:nvSpPr>
               <p:cNvPr id="19" name="矩形 18">
@@ -16284,8 +16212,8 @@
           </a:p>
         </p:txBody>
       </p:sp>
-      <mc:AlternateContent xmlns:mc="http://schemas.openxmlformats.org/markup-compatibility/2006">
-        <mc:Choice xmlns:a14="http://schemas.microsoft.com/office/drawing/2010/main" Requires="a14">
+      <mc:AlternateContent xmlns:mc="http://schemas.openxmlformats.org/markup-compatibility/2006" xmlns:a14="http://schemas.microsoft.com/office/drawing/2010/main">
+        <mc:Choice Requires="a14">
           <p:sp>
             <p:nvSpPr>
               <p:cNvPr id="4" name="Content Placeholder 3">
@@ -16821,7 +16749,7 @@
             </p:txBody>
           </p:sp>
         </mc:Choice>
-        <mc:Fallback>
+        <mc:Fallback xmlns="">
           <p:sp>
             <p:nvSpPr>
               <p:cNvPr id="4" name="Content Placeholder 3">
@@ -16911,8 +16839,8 @@
           </a:fontRef>
         </p:style>
       </p:cxnSp>
-      <mc:AlternateContent xmlns:mc="http://schemas.openxmlformats.org/markup-compatibility/2006">
-        <mc:Choice xmlns:a14="http://schemas.microsoft.com/office/drawing/2010/main" Requires="a14">
+      <mc:AlternateContent xmlns:mc="http://schemas.openxmlformats.org/markup-compatibility/2006" xmlns:a14="http://schemas.microsoft.com/office/drawing/2010/main">
+        <mc:Choice Requires="a14">
           <p:sp>
             <p:nvSpPr>
               <p:cNvPr id="9" name="文本框 8">
@@ -17060,7 +16988,7 @@
             </p:txBody>
           </p:sp>
         </mc:Choice>
-        <mc:Fallback>
+        <mc:Fallback xmlns="">
           <p:sp>
             <p:nvSpPr>
               <p:cNvPr id="9" name="文本框 8">
@@ -17150,8 +17078,8 @@
           </a:fontRef>
         </p:style>
       </p:cxnSp>
-      <mc:AlternateContent xmlns:mc="http://schemas.openxmlformats.org/markup-compatibility/2006">
-        <mc:Choice xmlns:a14="http://schemas.microsoft.com/office/drawing/2010/main" Requires="a14">
+      <mc:AlternateContent xmlns:mc="http://schemas.openxmlformats.org/markup-compatibility/2006" xmlns:a14="http://schemas.microsoft.com/office/drawing/2010/main">
+        <mc:Choice Requires="a14">
           <p:sp>
             <p:nvSpPr>
               <p:cNvPr id="11" name="矩形 10">
@@ -17200,7 +17128,7 @@
             </p:txBody>
           </p:sp>
         </mc:Choice>
-        <mc:Fallback>
+        <mc:Fallback xmlns="">
           <p:sp>
             <p:nvSpPr>
               <p:cNvPr id="11" name="矩形 10">
@@ -17245,8 +17173,8 @@
           </p:sp>
         </mc:Fallback>
       </mc:AlternateContent>
-      <mc:AlternateContent xmlns:mc="http://schemas.openxmlformats.org/markup-compatibility/2006">
-        <mc:Choice xmlns:a14="http://schemas.microsoft.com/office/drawing/2010/main" Requires="a14">
+      <mc:AlternateContent xmlns:mc="http://schemas.openxmlformats.org/markup-compatibility/2006" xmlns:a14="http://schemas.microsoft.com/office/drawing/2010/main">
+        <mc:Choice Requires="a14">
           <p:sp>
             <p:nvSpPr>
               <p:cNvPr id="12" name="矩形 11">
@@ -17321,7 +17249,7 @@
             </p:txBody>
           </p:sp>
         </mc:Choice>
-        <mc:Fallback>
+        <mc:Fallback xmlns="">
           <p:sp>
             <p:nvSpPr>
               <p:cNvPr id="12" name="矩形 11">
@@ -17411,8 +17339,8 @@
           </a:fontRef>
         </p:style>
       </p:cxnSp>
-      <mc:AlternateContent xmlns:mc="http://schemas.openxmlformats.org/markup-compatibility/2006">
-        <mc:Choice xmlns:a14="http://schemas.microsoft.com/office/drawing/2010/main" Requires="a14">
+      <mc:AlternateContent xmlns:mc="http://schemas.openxmlformats.org/markup-compatibility/2006" xmlns:a14="http://schemas.microsoft.com/office/drawing/2010/main">
+        <mc:Choice Requires="a14">
           <p:sp>
             <p:nvSpPr>
               <p:cNvPr id="13" name="矩形 12">
@@ -17487,7 +17415,7 @@
             </p:txBody>
           </p:sp>
         </mc:Choice>
-        <mc:Fallback>
+        <mc:Fallback xmlns="">
           <p:sp>
             <p:nvSpPr>
               <p:cNvPr id="13" name="矩形 12">
@@ -17673,8 +17601,8 @@
           </a:extLst>
         </p:spPr>
       </p:cxnSp>
-      <mc:AlternateContent xmlns:mc="http://schemas.openxmlformats.org/markup-compatibility/2006">
-        <mc:Choice xmlns:a14="http://schemas.microsoft.com/office/drawing/2010/main" Requires="a14">
+      <mc:AlternateContent xmlns:mc="http://schemas.openxmlformats.org/markup-compatibility/2006" xmlns:a14="http://schemas.microsoft.com/office/drawing/2010/main">
+        <mc:Choice Requires="a14">
           <p:sp>
             <p:nvSpPr>
               <p:cNvPr id="31" name="矩形 30">
@@ -17832,7 +17760,7 @@
             </p:txBody>
           </p:sp>
         </mc:Choice>
-        <mc:Fallback>
+        <mc:Fallback xmlns="">
           <p:sp>
             <p:nvSpPr>
               <p:cNvPr id="31" name="矩形 30">
@@ -17877,8 +17805,8 @@
           </p:sp>
         </mc:Fallback>
       </mc:AlternateContent>
-      <mc:AlternateContent xmlns:mc="http://schemas.openxmlformats.org/markup-compatibility/2006">
-        <mc:Choice xmlns:a14="http://schemas.microsoft.com/office/drawing/2010/main" Requires="a14">
+      <mc:AlternateContent xmlns:mc="http://schemas.openxmlformats.org/markup-compatibility/2006" xmlns:a14="http://schemas.microsoft.com/office/drawing/2010/main">
+        <mc:Choice Requires="a14">
           <p:sp>
             <p:nvSpPr>
               <p:cNvPr id="34" name="文本框 33">
@@ -18026,7 +17954,7 @@
             </p:txBody>
           </p:sp>
         </mc:Choice>
-        <mc:Fallback>
+        <mc:Fallback xmlns="">
           <p:sp>
             <p:nvSpPr>
               <p:cNvPr id="34" name="文本框 33">
@@ -18071,8 +17999,8 @@
           </p:sp>
         </mc:Fallback>
       </mc:AlternateContent>
-      <mc:AlternateContent xmlns:mc="http://schemas.openxmlformats.org/markup-compatibility/2006">
-        <mc:Choice xmlns:a14="http://schemas.microsoft.com/office/drawing/2010/main" Requires="a14">
+      <mc:AlternateContent xmlns:mc="http://schemas.openxmlformats.org/markup-compatibility/2006" xmlns:a14="http://schemas.microsoft.com/office/drawing/2010/main">
+        <mc:Choice Requires="a14">
           <p:sp>
             <p:nvSpPr>
               <p:cNvPr id="2" name="矩形 1">
@@ -18781,7 +18709,7 @@
             </p:txBody>
           </p:sp>
         </mc:Choice>
-        <mc:Fallback>
+        <mc:Fallback xmlns="">
           <p:sp>
             <p:nvSpPr>
               <p:cNvPr id="2" name="矩形 1">
@@ -18826,8 +18754,8 @@
           </p:sp>
         </mc:Fallback>
       </mc:AlternateContent>
-      <mc:AlternateContent xmlns:mc="http://schemas.openxmlformats.org/markup-compatibility/2006">
-        <mc:Choice xmlns:a14="http://schemas.microsoft.com/office/drawing/2010/main" Requires="a14">
+      <mc:AlternateContent xmlns:mc="http://schemas.openxmlformats.org/markup-compatibility/2006" xmlns:a14="http://schemas.microsoft.com/office/drawing/2010/main">
+        <mc:Choice Requires="a14">
           <p:sp>
             <p:nvSpPr>
               <p:cNvPr id="20" name="矩形 19">
@@ -19072,7 +19000,7 @@
             </p:txBody>
           </p:sp>
         </mc:Choice>
-        <mc:Fallback>
+        <mc:Fallback xmlns="">
           <p:sp>
             <p:nvSpPr>
               <p:cNvPr id="20" name="矩形 19">
@@ -19288,8 +19216,8 @@
           </a:p>
         </p:txBody>
       </p:sp>
-      <mc:AlternateContent xmlns:mc="http://schemas.openxmlformats.org/markup-compatibility/2006">
-        <mc:Choice xmlns:a14="http://schemas.microsoft.com/office/drawing/2010/main" Requires="a14">
+      <mc:AlternateContent xmlns:mc="http://schemas.openxmlformats.org/markup-compatibility/2006" xmlns:a14="http://schemas.microsoft.com/office/drawing/2010/main">
+        <mc:Choice Requires="a14">
           <p:sp>
             <p:nvSpPr>
               <p:cNvPr id="4" name="Content Placeholder 3">
@@ -19825,7 +19753,7 @@
             </p:txBody>
           </p:sp>
         </mc:Choice>
-        <mc:Fallback>
+        <mc:Fallback xmlns="">
           <p:sp>
             <p:nvSpPr>
               <p:cNvPr id="4" name="Content Placeholder 3">
@@ -19915,8 +19843,8 @@
           </a:fontRef>
         </p:style>
       </p:cxnSp>
-      <mc:AlternateContent xmlns:mc="http://schemas.openxmlformats.org/markup-compatibility/2006">
-        <mc:Choice xmlns:a14="http://schemas.microsoft.com/office/drawing/2010/main" Requires="a14">
+      <mc:AlternateContent xmlns:mc="http://schemas.openxmlformats.org/markup-compatibility/2006" xmlns:a14="http://schemas.microsoft.com/office/drawing/2010/main">
+        <mc:Choice Requires="a14">
           <p:sp>
             <p:nvSpPr>
               <p:cNvPr id="9" name="文本框 8">
@@ -20064,7 +19992,7 @@
             </p:txBody>
           </p:sp>
         </mc:Choice>
-        <mc:Fallback>
+        <mc:Fallback xmlns="">
           <p:sp>
             <p:nvSpPr>
               <p:cNvPr id="9" name="文本框 8">
@@ -20154,8 +20082,8 @@
           </a:fontRef>
         </p:style>
       </p:cxnSp>
-      <mc:AlternateContent xmlns:mc="http://schemas.openxmlformats.org/markup-compatibility/2006">
-        <mc:Choice xmlns:a14="http://schemas.microsoft.com/office/drawing/2010/main" Requires="a14">
+      <mc:AlternateContent xmlns:mc="http://schemas.openxmlformats.org/markup-compatibility/2006" xmlns:a14="http://schemas.microsoft.com/office/drawing/2010/main">
+        <mc:Choice Requires="a14">
           <p:sp>
             <p:nvSpPr>
               <p:cNvPr id="11" name="矩形 10">
@@ -20204,7 +20132,7 @@
             </p:txBody>
           </p:sp>
         </mc:Choice>
-        <mc:Fallback>
+        <mc:Fallback xmlns="">
           <p:sp>
             <p:nvSpPr>
               <p:cNvPr id="11" name="矩形 10">
@@ -20249,8 +20177,8 @@
           </p:sp>
         </mc:Fallback>
       </mc:AlternateContent>
-      <mc:AlternateContent xmlns:mc="http://schemas.openxmlformats.org/markup-compatibility/2006">
-        <mc:Choice xmlns:a14="http://schemas.microsoft.com/office/drawing/2010/main" Requires="a14">
+      <mc:AlternateContent xmlns:mc="http://schemas.openxmlformats.org/markup-compatibility/2006" xmlns:a14="http://schemas.microsoft.com/office/drawing/2010/main">
+        <mc:Choice Requires="a14">
           <p:sp>
             <p:nvSpPr>
               <p:cNvPr id="12" name="矩形 11">
@@ -20325,7 +20253,7 @@
             </p:txBody>
           </p:sp>
         </mc:Choice>
-        <mc:Fallback>
+        <mc:Fallback xmlns="">
           <p:sp>
             <p:nvSpPr>
               <p:cNvPr id="12" name="矩形 11">
@@ -20415,8 +20343,8 @@
           </a:fontRef>
         </p:style>
       </p:cxnSp>
-      <mc:AlternateContent xmlns:mc="http://schemas.openxmlformats.org/markup-compatibility/2006">
-        <mc:Choice xmlns:a14="http://schemas.microsoft.com/office/drawing/2010/main" Requires="a14">
+      <mc:AlternateContent xmlns:mc="http://schemas.openxmlformats.org/markup-compatibility/2006" xmlns:a14="http://schemas.microsoft.com/office/drawing/2010/main">
+        <mc:Choice Requires="a14">
           <p:sp>
             <p:nvSpPr>
               <p:cNvPr id="13" name="矩形 12">
@@ -20491,7 +20419,7 @@
             </p:txBody>
           </p:sp>
         </mc:Choice>
-        <mc:Fallback>
+        <mc:Fallback xmlns="">
           <p:sp>
             <p:nvSpPr>
               <p:cNvPr id="13" name="矩形 12">
@@ -20677,8 +20605,8 @@
           </a:extLst>
         </p:spPr>
       </p:cxnSp>
-      <mc:AlternateContent xmlns:mc="http://schemas.openxmlformats.org/markup-compatibility/2006">
-        <mc:Choice xmlns:a14="http://schemas.microsoft.com/office/drawing/2010/main" Requires="a14">
+      <mc:AlternateContent xmlns:mc="http://schemas.openxmlformats.org/markup-compatibility/2006" xmlns:a14="http://schemas.microsoft.com/office/drawing/2010/main">
+        <mc:Choice Requires="a14">
           <p:sp>
             <p:nvSpPr>
               <p:cNvPr id="31" name="矩形 30">
@@ -20836,7 +20764,7 @@
             </p:txBody>
           </p:sp>
         </mc:Choice>
-        <mc:Fallback>
+        <mc:Fallback xmlns="">
           <p:sp>
             <p:nvSpPr>
               <p:cNvPr id="31" name="矩形 30">
@@ -20881,8 +20809,8 @@
           </p:sp>
         </mc:Fallback>
       </mc:AlternateContent>
-      <mc:AlternateContent xmlns:mc="http://schemas.openxmlformats.org/markup-compatibility/2006">
-        <mc:Choice xmlns:a14="http://schemas.microsoft.com/office/drawing/2010/main" Requires="a14">
+      <mc:AlternateContent xmlns:mc="http://schemas.openxmlformats.org/markup-compatibility/2006" xmlns:a14="http://schemas.microsoft.com/office/drawing/2010/main">
+        <mc:Choice Requires="a14">
           <p:sp>
             <p:nvSpPr>
               <p:cNvPr id="34" name="文本框 33">
@@ -21030,7 +20958,7 @@
             </p:txBody>
           </p:sp>
         </mc:Choice>
-        <mc:Fallback>
+        <mc:Fallback xmlns="">
           <p:sp>
             <p:nvSpPr>
               <p:cNvPr id="34" name="文本框 33">
@@ -21075,8 +21003,8 @@
           </p:sp>
         </mc:Fallback>
       </mc:AlternateContent>
-      <mc:AlternateContent xmlns:mc="http://schemas.openxmlformats.org/markup-compatibility/2006">
-        <mc:Choice xmlns:a14="http://schemas.microsoft.com/office/drawing/2010/main" Requires="a14">
+      <mc:AlternateContent xmlns:mc="http://schemas.openxmlformats.org/markup-compatibility/2006" xmlns:a14="http://schemas.microsoft.com/office/drawing/2010/main">
+        <mc:Choice Requires="a14">
           <p:sp>
             <p:nvSpPr>
               <p:cNvPr id="2" name="矩形 1">
@@ -21402,7 +21330,7 @@
             </p:txBody>
           </p:sp>
         </mc:Choice>
-        <mc:Fallback>
+        <mc:Fallback xmlns="">
           <p:sp>
             <p:nvSpPr>
               <p:cNvPr id="2" name="矩形 1">
@@ -21618,8 +21546,8 @@
           </a:p>
         </p:txBody>
       </p:sp>
-      <mc:AlternateContent xmlns:mc="http://schemas.openxmlformats.org/markup-compatibility/2006">
-        <mc:Choice xmlns:a14="http://schemas.microsoft.com/office/drawing/2010/main" Requires="a14">
+      <mc:AlternateContent xmlns:mc="http://schemas.openxmlformats.org/markup-compatibility/2006" xmlns:a14="http://schemas.microsoft.com/office/drawing/2010/main">
+        <mc:Choice Requires="a14">
           <p:sp>
             <p:nvSpPr>
               <p:cNvPr id="4" name="Content Placeholder 3">
@@ -22216,7 +22144,7 @@
             </p:txBody>
           </p:sp>
         </mc:Choice>
-        <mc:Fallback>
+        <mc:Fallback xmlns="">
           <p:sp>
             <p:nvSpPr>
               <p:cNvPr id="4" name="Content Placeholder 3">
@@ -22306,8 +22234,8 @@
           </a:fontRef>
         </p:style>
       </p:cxnSp>
-      <mc:AlternateContent xmlns:mc="http://schemas.openxmlformats.org/markup-compatibility/2006">
-        <mc:Choice xmlns:a14="http://schemas.microsoft.com/office/drawing/2010/main" Requires="a14">
+      <mc:AlternateContent xmlns:mc="http://schemas.openxmlformats.org/markup-compatibility/2006" xmlns:a14="http://schemas.microsoft.com/office/drawing/2010/main">
+        <mc:Choice Requires="a14">
           <p:sp>
             <p:nvSpPr>
               <p:cNvPr id="9" name="文本框 8">
@@ -22455,7 +22383,7 @@
             </p:txBody>
           </p:sp>
         </mc:Choice>
-        <mc:Fallback>
+        <mc:Fallback xmlns="">
           <p:sp>
             <p:nvSpPr>
               <p:cNvPr id="9" name="文本框 8">
@@ -22545,8 +22473,8 @@
           </a:fontRef>
         </p:style>
       </p:cxnSp>
-      <mc:AlternateContent xmlns:mc="http://schemas.openxmlformats.org/markup-compatibility/2006">
-        <mc:Choice xmlns:a14="http://schemas.microsoft.com/office/drawing/2010/main" Requires="a14">
+      <mc:AlternateContent xmlns:mc="http://schemas.openxmlformats.org/markup-compatibility/2006" xmlns:a14="http://schemas.microsoft.com/office/drawing/2010/main">
+        <mc:Choice Requires="a14">
           <p:sp>
             <p:nvSpPr>
               <p:cNvPr id="11" name="矩形 10">
@@ -22595,7 +22523,7 @@
             </p:txBody>
           </p:sp>
         </mc:Choice>
-        <mc:Fallback>
+        <mc:Fallback xmlns="">
           <p:sp>
             <p:nvSpPr>
               <p:cNvPr id="11" name="矩形 10">
@@ -22640,8 +22568,8 @@
           </p:sp>
         </mc:Fallback>
       </mc:AlternateContent>
-      <mc:AlternateContent xmlns:mc="http://schemas.openxmlformats.org/markup-compatibility/2006">
-        <mc:Choice xmlns:a14="http://schemas.microsoft.com/office/drawing/2010/main" Requires="a14">
+      <mc:AlternateContent xmlns:mc="http://schemas.openxmlformats.org/markup-compatibility/2006" xmlns:a14="http://schemas.microsoft.com/office/drawing/2010/main">
+        <mc:Choice Requires="a14">
           <p:sp>
             <p:nvSpPr>
               <p:cNvPr id="12" name="矩形 11">
@@ -22716,7 +22644,7 @@
             </p:txBody>
           </p:sp>
         </mc:Choice>
-        <mc:Fallback>
+        <mc:Fallback xmlns="">
           <p:sp>
             <p:nvSpPr>
               <p:cNvPr id="12" name="矩形 11">
@@ -22806,8 +22734,8 @@
           </a:fontRef>
         </p:style>
       </p:cxnSp>
-      <mc:AlternateContent xmlns:mc="http://schemas.openxmlformats.org/markup-compatibility/2006">
-        <mc:Choice xmlns:a14="http://schemas.microsoft.com/office/drawing/2010/main" Requires="a14">
+      <mc:AlternateContent xmlns:mc="http://schemas.openxmlformats.org/markup-compatibility/2006" xmlns:a14="http://schemas.microsoft.com/office/drawing/2010/main">
+        <mc:Choice Requires="a14">
           <p:sp>
             <p:nvSpPr>
               <p:cNvPr id="13" name="矩形 12">
@@ -22882,7 +22810,7 @@
             </p:txBody>
           </p:sp>
         </mc:Choice>
-        <mc:Fallback>
+        <mc:Fallback xmlns="">
           <p:sp>
             <p:nvSpPr>
               <p:cNvPr id="13" name="矩形 12">
@@ -23068,8 +22996,8 @@
           </a:extLst>
         </p:spPr>
       </p:cxnSp>
-      <mc:AlternateContent xmlns:mc="http://schemas.openxmlformats.org/markup-compatibility/2006">
-        <mc:Choice xmlns:a14="http://schemas.microsoft.com/office/drawing/2010/main" Requires="a14">
+      <mc:AlternateContent xmlns:mc="http://schemas.openxmlformats.org/markup-compatibility/2006" xmlns:a14="http://schemas.microsoft.com/office/drawing/2010/main">
+        <mc:Choice Requires="a14">
           <p:sp>
             <p:nvSpPr>
               <p:cNvPr id="31" name="矩形 30">
@@ -23227,7 +23155,7 @@
             </p:txBody>
           </p:sp>
         </mc:Choice>
-        <mc:Fallback>
+        <mc:Fallback xmlns="">
           <p:sp>
             <p:nvSpPr>
               <p:cNvPr id="31" name="矩形 30">
@@ -23272,8 +23200,8 @@
           </p:sp>
         </mc:Fallback>
       </mc:AlternateContent>
-      <mc:AlternateContent xmlns:mc="http://schemas.openxmlformats.org/markup-compatibility/2006">
-        <mc:Choice xmlns:a14="http://schemas.microsoft.com/office/drawing/2010/main" Requires="a14">
+      <mc:AlternateContent xmlns:mc="http://schemas.openxmlformats.org/markup-compatibility/2006" xmlns:a14="http://schemas.microsoft.com/office/drawing/2010/main">
+        <mc:Choice Requires="a14">
           <p:sp>
             <p:nvSpPr>
               <p:cNvPr id="34" name="文本框 33">
@@ -23421,7 +23349,7 @@
             </p:txBody>
           </p:sp>
         </mc:Choice>
-        <mc:Fallback>
+        <mc:Fallback xmlns="">
           <p:sp>
             <p:nvSpPr>
               <p:cNvPr id="34" name="文本框 33">
@@ -23466,8 +23394,8 @@
           </p:sp>
         </mc:Fallback>
       </mc:AlternateContent>
-      <mc:AlternateContent xmlns:mc="http://schemas.openxmlformats.org/markup-compatibility/2006">
-        <mc:Choice xmlns:a14="http://schemas.microsoft.com/office/drawing/2010/main" Requires="a14">
+      <mc:AlternateContent xmlns:mc="http://schemas.openxmlformats.org/markup-compatibility/2006" xmlns:a14="http://schemas.microsoft.com/office/drawing/2010/main">
+        <mc:Choice Requires="a14">
           <p:sp>
             <p:nvSpPr>
               <p:cNvPr id="2" name="矩形 1">
@@ -23682,7 +23610,7 @@
             </p:txBody>
           </p:sp>
         </mc:Choice>
-        <mc:Fallback>
+        <mc:Fallback xmlns="">
           <p:sp>
             <p:nvSpPr>
               <p:cNvPr id="2" name="矩形 1">
@@ -23898,8 +23826,8 @@
           </a:p>
         </p:txBody>
       </p:sp>
-      <mc:AlternateContent xmlns:mc="http://schemas.openxmlformats.org/markup-compatibility/2006">
-        <mc:Choice xmlns:a14="http://schemas.microsoft.com/office/drawing/2010/main" Requires="a14">
+      <mc:AlternateContent xmlns:mc="http://schemas.openxmlformats.org/markup-compatibility/2006" xmlns:a14="http://schemas.microsoft.com/office/drawing/2010/main">
+        <mc:Choice Requires="a14">
           <p:sp>
             <p:nvSpPr>
               <p:cNvPr id="4" name="Content Placeholder 3">
@@ -24496,7 +24424,7 @@
             </p:txBody>
           </p:sp>
         </mc:Choice>
-        <mc:Fallback>
+        <mc:Fallback xmlns="">
           <p:sp>
             <p:nvSpPr>
               <p:cNvPr id="4" name="Content Placeholder 3">
@@ -24586,8 +24514,8 @@
           </a:fontRef>
         </p:style>
       </p:cxnSp>
-      <mc:AlternateContent xmlns:mc="http://schemas.openxmlformats.org/markup-compatibility/2006">
-        <mc:Choice xmlns:a14="http://schemas.microsoft.com/office/drawing/2010/main" Requires="a14">
+      <mc:AlternateContent xmlns:mc="http://schemas.openxmlformats.org/markup-compatibility/2006" xmlns:a14="http://schemas.microsoft.com/office/drawing/2010/main">
+        <mc:Choice Requires="a14">
           <p:sp>
             <p:nvSpPr>
               <p:cNvPr id="9" name="文本框 8">
@@ -24735,7 +24663,7 @@
             </p:txBody>
           </p:sp>
         </mc:Choice>
-        <mc:Fallback>
+        <mc:Fallback xmlns="">
           <p:sp>
             <p:nvSpPr>
               <p:cNvPr id="9" name="文本框 8">
@@ -24825,8 +24753,8 @@
           </a:fontRef>
         </p:style>
       </p:cxnSp>
-      <mc:AlternateContent xmlns:mc="http://schemas.openxmlformats.org/markup-compatibility/2006">
-        <mc:Choice xmlns:a14="http://schemas.microsoft.com/office/drawing/2010/main" Requires="a14">
+      <mc:AlternateContent xmlns:mc="http://schemas.openxmlformats.org/markup-compatibility/2006" xmlns:a14="http://schemas.microsoft.com/office/drawing/2010/main">
+        <mc:Choice Requires="a14">
           <p:sp>
             <p:nvSpPr>
               <p:cNvPr id="11" name="矩形 10">
@@ -24875,7 +24803,7 @@
             </p:txBody>
           </p:sp>
         </mc:Choice>
-        <mc:Fallback>
+        <mc:Fallback xmlns="">
           <p:sp>
             <p:nvSpPr>
               <p:cNvPr id="11" name="矩形 10">
@@ -24920,8 +24848,8 @@
           </p:sp>
         </mc:Fallback>
       </mc:AlternateContent>
-      <mc:AlternateContent xmlns:mc="http://schemas.openxmlformats.org/markup-compatibility/2006">
-        <mc:Choice xmlns:a14="http://schemas.microsoft.com/office/drawing/2010/main" Requires="a14">
+      <mc:AlternateContent xmlns:mc="http://schemas.openxmlformats.org/markup-compatibility/2006" xmlns:a14="http://schemas.microsoft.com/office/drawing/2010/main">
+        <mc:Choice Requires="a14">
           <p:sp>
             <p:nvSpPr>
               <p:cNvPr id="12" name="矩形 11">
@@ -24996,7 +24924,7 @@
             </p:txBody>
           </p:sp>
         </mc:Choice>
-        <mc:Fallback>
+        <mc:Fallback xmlns="">
           <p:sp>
             <p:nvSpPr>
               <p:cNvPr id="12" name="矩形 11">
@@ -25086,8 +25014,8 @@
           </a:fontRef>
         </p:style>
       </p:cxnSp>
-      <mc:AlternateContent xmlns:mc="http://schemas.openxmlformats.org/markup-compatibility/2006">
-        <mc:Choice xmlns:a14="http://schemas.microsoft.com/office/drawing/2010/main" Requires="a14">
+      <mc:AlternateContent xmlns:mc="http://schemas.openxmlformats.org/markup-compatibility/2006" xmlns:a14="http://schemas.microsoft.com/office/drawing/2010/main">
+        <mc:Choice Requires="a14">
           <p:sp>
             <p:nvSpPr>
               <p:cNvPr id="13" name="矩形 12">
@@ -25162,7 +25090,7 @@
             </p:txBody>
           </p:sp>
         </mc:Choice>
-        <mc:Fallback>
+        <mc:Fallback xmlns="">
           <p:sp>
             <p:nvSpPr>
               <p:cNvPr id="13" name="矩形 12">
@@ -25348,8 +25276,8 @@
           </a:extLst>
         </p:spPr>
       </p:cxnSp>
-      <mc:AlternateContent xmlns:mc="http://schemas.openxmlformats.org/markup-compatibility/2006">
-        <mc:Choice xmlns:a14="http://schemas.microsoft.com/office/drawing/2010/main" Requires="a14">
+      <mc:AlternateContent xmlns:mc="http://schemas.openxmlformats.org/markup-compatibility/2006" xmlns:a14="http://schemas.microsoft.com/office/drawing/2010/main">
+        <mc:Choice Requires="a14">
           <p:sp>
             <p:nvSpPr>
               <p:cNvPr id="31" name="矩形 30">
@@ -25507,7 +25435,7 @@
             </p:txBody>
           </p:sp>
         </mc:Choice>
-        <mc:Fallback>
+        <mc:Fallback xmlns="">
           <p:sp>
             <p:nvSpPr>
               <p:cNvPr id="31" name="矩形 30">
@@ -25552,8 +25480,8 @@
           </p:sp>
         </mc:Fallback>
       </mc:AlternateContent>
-      <mc:AlternateContent xmlns:mc="http://schemas.openxmlformats.org/markup-compatibility/2006">
-        <mc:Choice xmlns:a14="http://schemas.microsoft.com/office/drawing/2010/main" Requires="a14">
+      <mc:AlternateContent xmlns:mc="http://schemas.openxmlformats.org/markup-compatibility/2006" xmlns:a14="http://schemas.microsoft.com/office/drawing/2010/main">
+        <mc:Choice Requires="a14">
           <p:sp>
             <p:nvSpPr>
               <p:cNvPr id="34" name="文本框 33">
@@ -25701,7 +25629,7 @@
             </p:txBody>
           </p:sp>
         </mc:Choice>
-        <mc:Fallback>
+        <mc:Fallback xmlns="">
           <p:sp>
             <p:nvSpPr>
               <p:cNvPr id="34" name="文本框 33">
@@ -25746,8 +25674,8 @@
           </p:sp>
         </mc:Fallback>
       </mc:AlternateContent>
-      <mc:AlternateContent xmlns:mc="http://schemas.openxmlformats.org/markup-compatibility/2006">
-        <mc:Choice xmlns:a14="http://schemas.microsoft.com/office/drawing/2010/main" Requires="a14">
+      <mc:AlternateContent xmlns:mc="http://schemas.openxmlformats.org/markup-compatibility/2006" xmlns:a14="http://schemas.microsoft.com/office/drawing/2010/main">
+        <mc:Choice Requires="a14">
           <p:sp>
             <p:nvSpPr>
               <p:cNvPr id="2" name="矩形 1">
@@ -26392,7 +26320,7 @@
             </p:txBody>
           </p:sp>
         </mc:Choice>
-        <mc:Fallback>
+        <mc:Fallback xmlns="">
           <p:sp>
             <p:nvSpPr>
               <p:cNvPr id="2" name="矩形 1">
@@ -26608,8 +26536,8 @@
           </a:p>
         </p:txBody>
       </p:sp>
-      <mc:AlternateContent xmlns:mc="http://schemas.openxmlformats.org/markup-compatibility/2006">
-        <mc:Choice xmlns:a14="http://schemas.microsoft.com/office/drawing/2010/main" Requires="a14">
+      <mc:AlternateContent xmlns:mc="http://schemas.openxmlformats.org/markup-compatibility/2006" xmlns:a14="http://schemas.microsoft.com/office/drawing/2010/main">
+        <mc:Choice Requires="a14">
           <p:sp>
             <p:nvSpPr>
               <p:cNvPr id="4" name="Content Placeholder 3">
@@ -27206,7 +27134,7 @@
             </p:txBody>
           </p:sp>
         </mc:Choice>
-        <mc:Fallback>
+        <mc:Fallback xmlns="">
           <p:sp>
             <p:nvSpPr>
               <p:cNvPr id="4" name="Content Placeholder 3">
@@ -27296,8 +27224,8 @@
           </a:fontRef>
         </p:style>
       </p:cxnSp>
-      <mc:AlternateContent xmlns:mc="http://schemas.openxmlformats.org/markup-compatibility/2006">
-        <mc:Choice xmlns:a14="http://schemas.microsoft.com/office/drawing/2010/main" Requires="a14">
+      <mc:AlternateContent xmlns:mc="http://schemas.openxmlformats.org/markup-compatibility/2006" xmlns:a14="http://schemas.microsoft.com/office/drawing/2010/main">
+        <mc:Choice Requires="a14">
           <p:sp>
             <p:nvSpPr>
               <p:cNvPr id="9" name="文本框 8">
@@ -27445,7 +27373,7 @@
             </p:txBody>
           </p:sp>
         </mc:Choice>
-        <mc:Fallback>
+        <mc:Fallback xmlns="">
           <p:sp>
             <p:nvSpPr>
               <p:cNvPr id="9" name="文本框 8">
@@ -27535,8 +27463,8 @@
           </a:fontRef>
         </p:style>
       </p:cxnSp>
-      <mc:AlternateContent xmlns:mc="http://schemas.openxmlformats.org/markup-compatibility/2006">
-        <mc:Choice xmlns:a14="http://schemas.microsoft.com/office/drawing/2010/main" Requires="a14">
+      <mc:AlternateContent xmlns:mc="http://schemas.openxmlformats.org/markup-compatibility/2006" xmlns:a14="http://schemas.microsoft.com/office/drawing/2010/main">
+        <mc:Choice Requires="a14">
           <p:sp>
             <p:nvSpPr>
               <p:cNvPr id="11" name="矩形 10">
@@ -27585,7 +27513,7 @@
             </p:txBody>
           </p:sp>
         </mc:Choice>
-        <mc:Fallback>
+        <mc:Fallback xmlns="">
           <p:sp>
             <p:nvSpPr>
               <p:cNvPr id="11" name="矩形 10">
@@ -27630,8 +27558,8 @@
           </p:sp>
         </mc:Fallback>
       </mc:AlternateContent>
-      <mc:AlternateContent xmlns:mc="http://schemas.openxmlformats.org/markup-compatibility/2006">
-        <mc:Choice xmlns:a14="http://schemas.microsoft.com/office/drawing/2010/main" Requires="a14">
+      <mc:AlternateContent xmlns:mc="http://schemas.openxmlformats.org/markup-compatibility/2006" xmlns:a14="http://schemas.microsoft.com/office/drawing/2010/main">
+        <mc:Choice Requires="a14">
           <p:sp>
             <p:nvSpPr>
               <p:cNvPr id="12" name="矩形 11">
@@ -27706,7 +27634,7 @@
             </p:txBody>
           </p:sp>
         </mc:Choice>
-        <mc:Fallback>
+        <mc:Fallback xmlns="">
           <p:sp>
             <p:nvSpPr>
               <p:cNvPr id="12" name="矩形 11">
@@ -27796,8 +27724,8 @@
           </a:fontRef>
         </p:style>
       </p:cxnSp>
-      <mc:AlternateContent xmlns:mc="http://schemas.openxmlformats.org/markup-compatibility/2006">
-        <mc:Choice xmlns:a14="http://schemas.microsoft.com/office/drawing/2010/main" Requires="a14">
+      <mc:AlternateContent xmlns:mc="http://schemas.openxmlformats.org/markup-compatibility/2006" xmlns:a14="http://schemas.microsoft.com/office/drawing/2010/main">
+        <mc:Choice Requires="a14">
           <p:sp>
             <p:nvSpPr>
               <p:cNvPr id="13" name="矩形 12">
@@ -27872,7 +27800,7 @@
             </p:txBody>
           </p:sp>
         </mc:Choice>
-        <mc:Fallback>
+        <mc:Fallback xmlns="">
           <p:sp>
             <p:nvSpPr>
               <p:cNvPr id="13" name="矩形 12">
@@ -28058,8 +27986,8 @@
           </a:extLst>
         </p:spPr>
       </p:cxnSp>
-      <mc:AlternateContent xmlns:mc="http://schemas.openxmlformats.org/markup-compatibility/2006">
-        <mc:Choice xmlns:a14="http://schemas.microsoft.com/office/drawing/2010/main" Requires="a14">
+      <mc:AlternateContent xmlns:mc="http://schemas.openxmlformats.org/markup-compatibility/2006" xmlns:a14="http://schemas.microsoft.com/office/drawing/2010/main">
+        <mc:Choice Requires="a14">
           <p:sp>
             <p:nvSpPr>
               <p:cNvPr id="31" name="矩形 30">
@@ -28217,7 +28145,7 @@
             </p:txBody>
           </p:sp>
         </mc:Choice>
-        <mc:Fallback>
+        <mc:Fallback xmlns="">
           <p:sp>
             <p:nvSpPr>
               <p:cNvPr id="31" name="矩形 30">
@@ -28262,8 +28190,8 @@
           </p:sp>
         </mc:Fallback>
       </mc:AlternateContent>
-      <mc:AlternateContent xmlns:mc="http://schemas.openxmlformats.org/markup-compatibility/2006">
-        <mc:Choice xmlns:a14="http://schemas.microsoft.com/office/drawing/2010/main" Requires="a14">
+      <mc:AlternateContent xmlns:mc="http://schemas.openxmlformats.org/markup-compatibility/2006" xmlns:a14="http://schemas.microsoft.com/office/drawing/2010/main">
+        <mc:Choice Requires="a14">
           <p:sp>
             <p:nvSpPr>
               <p:cNvPr id="34" name="文本框 33">
@@ -28411,7 +28339,7 @@
             </p:txBody>
           </p:sp>
         </mc:Choice>
-        <mc:Fallback>
+        <mc:Fallback xmlns="">
           <p:sp>
             <p:nvSpPr>
               <p:cNvPr id="34" name="文本框 33">
@@ -28456,8 +28384,8 @@
           </p:sp>
         </mc:Fallback>
       </mc:AlternateContent>
-      <mc:AlternateContent xmlns:mc="http://schemas.openxmlformats.org/markup-compatibility/2006">
-        <mc:Choice xmlns:a14="http://schemas.microsoft.com/office/drawing/2010/main" Requires="a14">
+      <mc:AlternateContent xmlns:mc="http://schemas.openxmlformats.org/markup-compatibility/2006" xmlns:a14="http://schemas.microsoft.com/office/drawing/2010/main">
+        <mc:Choice Requires="a14">
           <p:sp>
             <p:nvSpPr>
               <p:cNvPr id="2" name="矩形 1">
@@ -29493,7 +29421,7 @@
             </p:txBody>
           </p:sp>
         </mc:Choice>
-        <mc:Fallback>
+        <mc:Fallback xmlns="">
           <p:sp>
             <p:nvSpPr>
               <p:cNvPr id="2" name="矩形 1">

--- a/PPT/05_向量的投影.pptx
+++ b/PPT/05_向量的投影.pptx
@@ -336,7 +336,7 @@
               <a:pPr>
                 <a:defRPr/>
               </a:pPr>
-              <a:t>2017/8/9</a:t>
+              <a:t>2017/8/30</a:t>
             </a:fld>
             <a:endParaRPr lang="zh-CN" altLang="en-US" sz="1200"/>
           </a:p>

--- a/PPT/05_向量的投影.pptx
+++ b/PPT/05_向量的投影.pptx
@@ -8,7 +8,7 @@
     <p:notesMasterId r:id="rId15"/>
   </p:notesMasterIdLst>
   <p:sldIdLst>
-    <p:sldId id="256" r:id="rId2"/>
+    <p:sldId id="271" r:id="rId2"/>
     <p:sldId id="257" r:id="rId3"/>
     <p:sldId id="260" r:id="rId4"/>
     <p:sldId id="262" r:id="rId5"/>
@@ -20,7 +20,7 @@
     <p:sldId id="268" r:id="rId11"/>
     <p:sldId id="269" r:id="rId12"/>
     <p:sldId id="270" r:id="rId13"/>
-    <p:sldId id="259" r:id="rId14"/>
+    <p:sldId id="272" r:id="rId14"/>
   </p:sldIdLst>
   <p:sldSz cx="9144000" cy="5143500" type="screen16x9"/>
   <p:notesSz cx="6858000" cy="9144000"/>
@@ -336,7 +336,7 @@
               <a:pPr>
                 <a:defRPr/>
               </a:pPr>
-              <a:t>2017/8/30</a:t>
+              <a:t>2017/10/9</a:t>
             </a:fld>
             <a:endParaRPr lang="zh-CN" altLang="en-US" sz="1200"/>
           </a:p>
@@ -3184,66 +3184,6 @@
           <a:chExt cx="0" cy="0"/>
         </a:xfrm>
       </p:grpSpPr>
-      <p:pic>
-        <p:nvPicPr>
-          <p:cNvPr id="2050" name="Picture 2" descr="D:\work\CSDN学院ppt\5.jpg">
-            <a:extLst>
-              <a:ext uri="{FF2B5EF4-FFF2-40B4-BE49-F238E27FC236}">
-                <a16:creationId xmlns:a16="http://schemas.microsoft.com/office/drawing/2014/main" id="{736691C9-DDCA-49F7-B495-F8B240079F98}"/>
-              </a:ext>
-            </a:extLst>
-          </p:cNvPr>
-          <p:cNvPicPr>
-            <a:picLocks noChangeAspect="1" noChangeArrowheads="1"/>
-          </p:cNvPicPr>
-          <p:nvPr/>
-        </p:nvPicPr>
-        <p:blipFill>
-          <a:blip r:embed="rId2">
-            <a:extLst>
-              <a:ext uri="{28A0092B-C50C-407E-A947-70E740481C1C}">
-                <a14:useLocalDpi xmlns:a14="http://schemas.microsoft.com/office/drawing/2010/main" val="0"/>
-              </a:ext>
-            </a:extLst>
-          </a:blip>
-          <a:srcRect/>
-          <a:stretch>
-            <a:fillRect/>
-          </a:stretch>
-        </p:blipFill>
-        <p:spPr bwMode="auto">
-          <a:xfrm>
-            <a:off x="0" y="0"/>
-            <a:ext cx="9140825" cy="5141913"/>
-          </a:xfrm>
-          <a:prstGeom prst="rect">
-            <a:avLst/>
-          </a:prstGeom>
-          <a:noFill/>
-          <a:ln>
-            <a:noFill/>
-          </a:ln>
-          <a:extLst>
-            <a:ext uri="{909E8E84-426E-40DD-AFC4-6F175D3DCCD1}">
-              <a14:hiddenFill xmlns:a14="http://schemas.microsoft.com/office/drawing/2010/main">
-                <a:solidFill>
-                  <a:srgbClr val="FFFFFF"/>
-                </a:solidFill>
-              </a14:hiddenFill>
-            </a:ext>
-            <a:ext uri="{91240B29-F687-4F45-9708-019B960494DF}">
-              <a14:hiddenLine xmlns:a14="http://schemas.microsoft.com/office/drawing/2010/main" w="9525">
-                <a:solidFill>
-                  <a:srgbClr val="000000"/>
-                </a:solidFill>
-                <a:miter lim="800000"/>
-                <a:headEnd/>
-                <a:tailEnd/>
-              </a14:hiddenLine>
-            </a:ext>
-          </a:extLst>
-        </p:spPr>
-      </p:pic>
       <p:sp>
         <p:nvSpPr>
           <p:cNvPr id="3075" name="Title 1">
@@ -3302,27 +3242,6 @@
               <a:buNone/>
               <a:defRPr/>
             </a:pPr>
-            <a:endParaRPr lang="en-US" altLang="zh-CN" sz="4800" dirty="0">
-              <a:solidFill>
-                <a:schemeClr val="tx1">
-                  <a:lumMod val="65000"/>
-                  <a:lumOff val="35000"/>
-                </a:schemeClr>
-              </a:solidFill>
-              <a:latin typeface="微软雅黑" panose="020B0503020204020204" pitchFamily="34" charset="-122"/>
-              <a:ea typeface="微软雅黑" panose="020B0503020204020204" pitchFamily="34" charset="-122"/>
-              <a:sym typeface="微软雅黑" panose="020B0503020204020204" pitchFamily="34" charset="-122"/>
-            </a:endParaRPr>
-          </a:p>
-          <a:p>
-            <a:pPr algn="ctr" eaLnBrk="1" hangingPunct="1">
-              <a:lnSpc>
-                <a:spcPct val="90000"/>
-              </a:lnSpc>
-              <a:buFont typeface="Arial" panose="020B0604020202020204" pitchFamily="34" charset="0"/>
-              <a:buNone/>
-              <a:defRPr/>
-            </a:pPr>
             <a:r>
               <a:rPr lang="zh-CN" altLang="en-US" sz="4800" dirty="0">
                 <a:solidFill>
@@ -3353,224 +3272,10 @@
       </p:sp>
       <p:sp>
         <p:nvSpPr>
-          <p:cNvPr id="2052" name="文本框 4">
-            <a:extLst>
-              <a:ext uri="{FF2B5EF4-FFF2-40B4-BE49-F238E27FC236}">
-                <a16:creationId xmlns:a16="http://schemas.microsoft.com/office/drawing/2014/main" id="{C9201F73-94F1-495D-9050-ACB50FD65D99}"/>
-              </a:ext>
-            </a:extLst>
-          </p:cNvPr>
-          <p:cNvSpPr>
-            <a:spLocks noChangeArrowheads="1"/>
-          </p:cNvSpPr>
-          <p:nvPr/>
-        </p:nvSpPr>
-        <p:spPr bwMode="auto">
-          <a:xfrm>
-            <a:off x="4473575" y="2787650"/>
-            <a:ext cx="4202113" cy="336695"/>
-          </a:xfrm>
-          <a:prstGeom prst="rect">
-            <a:avLst/>
-          </a:prstGeom>
-          <a:noFill/>
-          <a:ln>
-            <a:noFill/>
-          </a:ln>
-          <a:extLst>
-            <a:ext uri="{909E8E84-426E-40DD-AFC4-6F175D3DCCD1}">
-              <a14:hiddenFill xmlns:a14="http://schemas.microsoft.com/office/drawing/2010/main">
-                <a:solidFill>
-                  <a:srgbClr val="FFFFFF"/>
-                </a:solidFill>
-              </a14:hiddenFill>
-            </a:ext>
-            <a:ext uri="{91240B29-F687-4F45-9708-019B960494DF}">
-              <a14:hiddenLine xmlns:a14="http://schemas.microsoft.com/office/drawing/2010/main" w="9525">
-                <a:solidFill>
-                  <a:srgbClr val="000000"/>
-                </a:solidFill>
-                <a:miter lim="800000"/>
-                <a:headEnd/>
-                <a:tailEnd/>
-              </a14:hiddenLine>
-            </a:ext>
-          </a:extLst>
-        </p:spPr>
-        <p:txBody>
-          <a:bodyPr>
-            <a:spAutoFit/>
-          </a:bodyPr>
-          <a:lstStyle>
-            <a:lvl1pPr>
-              <a:buFont typeface="Arial" panose="020B0604020202020204" pitchFamily="34" charset="0"/>
-              <a:defRPr>
-                <a:solidFill>
-                  <a:schemeClr val="tx1"/>
-                </a:solidFill>
-                <a:latin typeface="Arial" panose="020B0604020202020204" pitchFamily="34" charset="0"/>
-                <a:ea typeface="宋体" panose="02010600030101010101" pitchFamily="2" charset="-122"/>
-              </a:defRPr>
-            </a:lvl1pPr>
-            <a:lvl2pPr marL="742950" indent="-285750">
-              <a:buFont typeface="Arial" panose="020B0604020202020204" pitchFamily="34" charset="0"/>
-              <a:defRPr>
-                <a:solidFill>
-                  <a:schemeClr val="tx1"/>
-                </a:solidFill>
-                <a:latin typeface="Arial" panose="020B0604020202020204" pitchFamily="34" charset="0"/>
-                <a:ea typeface="宋体" panose="02010600030101010101" pitchFamily="2" charset="-122"/>
-              </a:defRPr>
-            </a:lvl2pPr>
-            <a:lvl3pPr marL="1143000" indent="-228600">
-              <a:buFont typeface="Arial" panose="020B0604020202020204" pitchFamily="34" charset="0"/>
-              <a:defRPr>
-                <a:solidFill>
-                  <a:schemeClr val="tx1"/>
-                </a:solidFill>
-                <a:latin typeface="Arial" panose="020B0604020202020204" pitchFamily="34" charset="0"/>
-                <a:ea typeface="宋体" panose="02010600030101010101" pitchFamily="2" charset="-122"/>
-              </a:defRPr>
-            </a:lvl3pPr>
-            <a:lvl4pPr marL="1600200" indent="-228600">
-              <a:buFont typeface="Arial" panose="020B0604020202020204" pitchFamily="34" charset="0"/>
-              <a:defRPr>
-                <a:solidFill>
-                  <a:schemeClr val="tx1"/>
-                </a:solidFill>
-                <a:latin typeface="Arial" panose="020B0604020202020204" pitchFamily="34" charset="0"/>
-                <a:ea typeface="宋体" panose="02010600030101010101" pitchFamily="2" charset="-122"/>
-              </a:defRPr>
-            </a:lvl4pPr>
-            <a:lvl5pPr marL="2057400" indent="-228600">
-              <a:buFont typeface="Arial" panose="020B0604020202020204" pitchFamily="34" charset="0"/>
-              <a:defRPr>
-                <a:solidFill>
-                  <a:schemeClr val="tx1"/>
-                </a:solidFill>
-                <a:latin typeface="Arial" panose="020B0604020202020204" pitchFamily="34" charset="0"/>
-                <a:ea typeface="宋体" panose="02010600030101010101" pitchFamily="2" charset="-122"/>
-              </a:defRPr>
-            </a:lvl5pPr>
-            <a:lvl6pPr marL="2514600" indent="-228600" eaLnBrk="0" fontAlgn="base" hangingPunct="0">
-              <a:spcBef>
-                <a:spcPct val="0"/>
-              </a:spcBef>
-              <a:spcAft>
-                <a:spcPct val="0"/>
-              </a:spcAft>
-              <a:buFont typeface="Arial" panose="020B0604020202020204" pitchFamily="34" charset="0"/>
-              <a:defRPr>
-                <a:solidFill>
-                  <a:schemeClr val="tx1"/>
-                </a:solidFill>
-                <a:latin typeface="Arial" panose="020B0604020202020204" pitchFamily="34" charset="0"/>
-                <a:ea typeface="宋体" panose="02010600030101010101" pitchFamily="2" charset="-122"/>
-              </a:defRPr>
-            </a:lvl6pPr>
-            <a:lvl7pPr marL="2971800" indent="-228600" eaLnBrk="0" fontAlgn="base" hangingPunct="0">
-              <a:spcBef>
-                <a:spcPct val="0"/>
-              </a:spcBef>
-              <a:spcAft>
-                <a:spcPct val="0"/>
-              </a:spcAft>
-              <a:buFont typeface="Arial" panose="020B0604020202020204" pitchFamily="34" charset="0"/>
-              <a:defRPr>
-                <a:solidFill>
-                  <a:schemeClr val="tx1"/>
-                </a:solidFill>
-                <a:latin typeface="Arial" panose="020B0604020202020204" pitchFamily="34" charset="0"/>
-                <a:ea typeface="宋体" panose="02010600030101010101" pitchFamily="2" charset="-122"/>
-              </a:defRPr>
-            </a:lvl7pPr>
-            <a:lvl8pPr marL="3429000" indent="-228600" eaLnBrk="0" fontAlgn="base" hangingPunct="0">
-              <a:spcBef>
-                <a:spcPct val="0"/>
-              </a:spcBef>
-              <a:spcAft>
-                <a:spcPct val="0"/>
-              </a:spcAft>
-              <a:buFont typeface="Arial" panose="020B0604020202020204" pitchFamily="34" charset="0"/>
-              <a:defRPr>
-                <a:solidFill>
-                  <a:schemeClr val="tx1"/>
-                </a:solidFill>
-                <a:latin typeface="Arial" panose="020B0604020202020204" pitchFamily="34" charset="0"/>
-                <a:ea typeface="宋体" panose="02010600030101010101" pitchFamily="2" charset="-122"/>
-              </a:defRPr>
-            </a:lvl8pPr>
-            <a:lvl9pPr marL="3886200" indent="-228600" eaLnBrk="0" fontAlgn="base" hangingPunct="0">
-              <a:spcBef>
-                <a:spcPct val="0"/>
-              </a:spcBef>
-              <a:spcAft>
-                <a:spcPct val="0"/>
-              </a:spcAft>
-              <a:buFont typeface="Arial" panose="020B0604020202020204" pitchFamily="34" charset="0"/>
-              <a:defRPr>
-                <a:solidFill>
-                  <a:schemeClr val="tx1"/>
-                </a:solidFill>
-                <a:latin typeface="Arial" panose="020B0604020202020204" pitchFamily="34" charset="0"/>
-                <a:ea typeface="宋体" panose="02010600030101010101" pitchFamily="2" charset="-122"/>
-              </a:defRPr>
-            </a:lvl9pPr>
-          </a:lstStyle>
-          <a:p>
-            <a:pPr eaLnBrk="1" hangingPunct="1">
-              <a:lnSpc>
-                <a:spcPct val="150000"/>
-              </a:lnSpc>
-            </a:pPr>
-            <a:r>
-              <a:rPr lang="en-US" altLang="zh-CN" sz="1200" dirty="0">
-                <a:solidFill>
-                  <a:schemeClr val="tx1">
-                    <a:lumMod val="65000"/>
-                    <a:lumOff val="35000"/>
-                  </a:schemeClr>
-                </a:solidFill>
-                <a:latin typeface="微软雅黑" panose="020B0503020204020204" pitchFamily="34" charset="-122"/>
-                <a:ea typeface="微软雅黑" panose="020B0503020204020204" pitchFamily="34" charset="-122"/>
-                <a:sym typeface="微软雅黑" panose="020B0503020204020204" pitchFamily="34" charset="-122"/>
-              </a:rPr>
-              <a:t>CSDN</a:t>
-            </a:r>
-            <a:r>
-              <a:rPr lang="zh-CN" altLang="en-US" sz="1200" dirty="0">
-                <a:solidFill>
-                  <a:schemeClr val="tx1">
-                    <a:lumMod val="65000"/>
-                    <a:lumOff val="35000"/>
-                  </a:schemeClr>
-                </a:solidFill>
-                <a:latin typeface="微软雅黑" panose="020B0503020204020204" pitchFamily="34" charset="-122"/>
-                <a:ea typeface="微软雅黑" panose="020B0503020204020204" pitchFamily="34" charset="-122"/>
-                <a:sym typeface="微软雅黑" panose="020B0503020204020204" pitchFamily="34" charset="-122"/>
-              </a:rPr>
-              <a:t>博客地址</a:t>
-            </a:r>
-            <a:endParaRPr lang="en-US" altLang="zh-CN" sz="1200" dirty="0">
-              <a:solidFill>
-                <a:schemeClr val="tx1">
-                  <a:lumMod val="65000"/>
-                  <a:lumOff val="35000"/>
-                </a:schemeClr>
-              </a:solidFill>
-              <a:latin typeface="微软雅黑" panose="020B0503020204020204" pitchFamily="34" charset="-122"/>
-              <a:ea typeface="微软雅黑" panose="020B0503020204020204" pitchFamily="34" charset="-122"/>
-              <a:sym typeface="微软雅黑" panose="020B0503020204020204" pitchFamily="34" charset="-122"/>
-            </a:endParaRPr>
-          </a:p>
-        </p:txBody>
-      </p:sp>
-      <p:sp>
-        <p:nvSpPr>
           <p:cNvPr id="2053" name="矩形 6">
             <a:extLst>
               <a:ext uri="{FF2B5EF4-FFF2-40B4-BE49-F238E27FC236}">
-                <a16:creationId xmlns:a16="http://schemas.microsoft.com/office/drawing/2014/main" id="{FB77DFCE-9043-42D7-BD57-B1A31B8718D3}"/>
+                <a16:creationId xmlns:a16="http://schemas.microsoft.com/office/drawing/2014/main" id="{B6D1BE42-F098-437C-9215-32B167654286}"/>
               </a:ext>
             </a:extLst>
           </p:cNvPr>
@@ -3741,7 +3446,7 @@
           <p:cNvPr id="2054" name="矩形 7">
             <a:extLst>
               <a:ext uri="{FF2B5EF4-FFF2-40B4-BE49-F238E27FC236}">
-                <a16:creationId xmlns:a16="http://schemas.microsoft.com/office/drawing/2014/main" id="{8ACB1FD7-669E-4878-A177-7A0EBF8D7AA2}"/>
+                <a16:creationId xmlns:a16="http://schemas.microsoft.com/office/drawing/2014/main" id="{97A2F271-8B12-4465-82A9-8CCD51D27912}"/>
               </a:ext>
             </a:extLst>
           </p:cNvPr>
@@ -3950,10 +3655,10 @@
       </p:sp>
       <p:sp>
         <p:nvSpPr>
-          <p:cNvPr id="2055" name="文本框 6">
+          <p:cNvPr id="12" name="矩形 6">
             <a:extLst>
               <a:ext uri="{FF2B5EF4-FFF2-40B4-BE49-F238E27FC236}">
-                <a16:creationId xmlns:a16="http://schemas.microsoft.com/office/drawing/2014/main" id="{BDE8A730-D279-476D-A3B2-A60703C46AD9}"/>
+                <a16:creationId xmlns:a16="http://schemas.microsoft.com/office/drawing/2014/main" id="{0E39F71D-14AF-466F-80F7-D013332A6BF5}"/>
               </a:ext>
             </a:extLst>
           </p:cNvPr>
@@ -3964,30 +3669,25 @@
         </p:nvSpPr>
         <p:spPr bwMode="auto">
           <a:xfrm>
-            <a:off x="4500563" y="3230563"/>
-            <a:ext cx="2735262" cy="276225"/>
+            <a:off x="0" y="4622222"/>
+            <a:ext cx="9144000" cy="538162"/>
           </a:xfrm>
           <a:prstGeom prst="rect">
             <a:avLst/>
           </a:prstGeom>
-          <a:noFill/>
+          <a:solidFill>
+            <a:srgbClr val="C00000"/>
+          </a:solidFill>
           <a:ln>
             <a:noFill/>
           </a:ln>
           <a:extLst>
-            <a:ext uri="{909E8E84-426E-40DD-AFC4-6F175D3DCCD1}">
-              <a14:hiddenFill xmlns:a14="http://schemas.microsoft.com/office/drawing/2010/main">
+            <a:ext uri="{91240B29-F687-4F45-9708-019B960494DF}">
+              <a14:hiddenLine xmlns:a14="http://schemas.microsoft.com/office/drawing/2010/main" w="25400">
                 <a:solidFill>
-                  <a:srgbClr val="FFFFFF"/>
+                  <a:srgbClr val="395E8A"/>
                 </a:solidFill>
-              </a14:hiddenFill>
-            </a:ext>
-            <a:ext uri="{91240B29-F687-4F45-9708-019B960494DF}">
-              <a14:hiddenLine xmlns:a14="http://schemas.microsoft.com/office/drawing/2010/main" w="9525">
-                <a:solidFill>
-                  <a:srgbClr val="000000"/>
-                </a:solidFill>
-                <a:miter lim="800000"/>
+                <a:bevel/>
                 <a:headEnd/>
                 <a:tailEnd/>
               </a14:hiddenLine>
@@ -3995,9 +3695,7 @@
           </a:extLst>
         </p:spPr>
         <p:txBody>
-          <a:bodyPr>
-            <a:spAutoFit/>
-          </a:bodyPr>
+          <a:bodyPr anchor="ctr"/>
           <a:lstStyle>
             <a:lvl1pPr>
               <a:buFont typeface="Arial" panose="020B0604020202020204" pitchFamily="34" charset="0"/>
@@ -4115,106 +3813,99 @@
             </a:lvl9pPr>
           </a:lstStyle>
           <a:p>
-            <a:pPr eaLnBrk="1" hangingPunct="1"/>
-            <a:r>
-              <a:rPr lang="en-US" altLang="zh-CN" sz="1200">
-                <a:solidFill>
-                  <a:schemeClr val="tx1">
-                    <a:lumMod val="65000"/>
-                    <a:lumOff val="35000"/>
-                  </a:schemeClr>
-                </a:solidFill>
-                <a:latin typeface="微软雅黑" panose="020B0503020204020204" pitchFamily="34" charset="-122"/>
-                <a:ea typeface="微软雅黑" panose="020B0503020204020204" pitchFamily="34" charset="-122"/>
-                <a:sym typeface="微软雅黑" panose="020B0503020204020204" pitchFamily="34" charset="-122"/>
-              </a:rPr>
-              <a:t>http://blog.csdn.net/zhangci226</a:t>
-            </a:r>
-            <a:endParaRPr lang="zh-CN" altLang="en-US" sz="1200">
+            <a:pPr algn="ctr" eaLnBrk="1" hangingPunct="1"/>
+            <a:endParaRPr lang="zh-CN" altLang="zh-CN">
               <a:solidFill>
-                <a:schemeClr val="tx1">
-                  <a:lumMod val="65000"/>
-                  <a:lumOff val="35000"/>
-                </a:schemeClr>
+                <a:srgbClr val="FFFFFF"/>
               </a:solidFill>
-              <a:latin typeface="微软雅黑" panose="020B0503020204020204" pitchFamily="34" charset="-122"/>
-              <a:ea typeface="微软雅黑" panose="020B0503020204020204" pitchFamily="34" charset="-122"/>
-              <a:sym typeface="微软雅黑" panose="020B0503020204020204" pitchFamily="34" charset="-122"/>
+              <a:latin typeface="宋体" panose="02010600030101010101" pitchFamily="2" charset="-122"/>
+              <a:sym typeface="宋体" panose="02010600030101010101" pitchFamily="2" charset="-122"/>
             </a:endParaRPr>
           </a:p>
         </p:txBody>
       </p:sp>
       <p:pic>
         <p:nvPicPr>
-          <p:cNvPr id="2056" name="Picture 2">
+          <p:cNvPr id="3" name="图片 2">
             <a:extLst>
               <a:ext uri="{FF2B5EF4-FFF2-40B4-BE49-F238E27FC236}">
-                <a16:creationId xmlns:a16="http://schemas.microsoft.com/office/drawing/2014/main" id="{8D614DD1-BBF4-4B86-95D7-98E1C330D7E0}"/>
+                <a16:creationId xmlns:a16="http://schemas.microsoft.com/office/drawing/2014/main" id="{583004D2-6E63-4036-ACDD-0910B14D3FCA}"/>
               </a:ext>
             </a:extLst>
           </p:cNvPr>
           <p:cNvPicPr>
-            <a:picLocks noChangeAspect="1" noChangeArrowheads="1"/>
+            <a:picLocks noChangeAspect="1"/>
           </p:cNvPicPr>
           <p:nvPr/>
         </p:nvPicPr>
         <p:blipFill>
-          <a:blip r:embed="rId3">
+          <a:blip r:embed="rId2">
             <a:extLst>
               <a:ext uri="{28A0092B-C50C-407E-A947-70E740481C1C}">
                 <a14:useLocalDpi xmlns:a14="http://schemas.microsoft.com/office/drawing/2010/main" val="0"/>
               </a:ext>
             </a:extLst>
           </a:blip>
-          <a:srcRect/>
           <a:stretch>
             <a:fillRect/>
           </a:stretch>
         </p:blipFill>
-        <p:spPr bwMode="auto">
+        <p:spPr>
           <a:xfrm>
-            <a:off x="107950" y="123825"/>
-            <a:ext cx="1296988" cy="539750"/>
+            <a:off x="251641" y="267559"/>
+            <a:ext cx="3379278" cy="4173683"/>
           </a:xfrm>
           <a:prstGeom prst="rect">
             <a:avLst/>
           </a:prstGeom>
-          <a:noFill/>
-          <a:ln>
-            <a:noFill/>
-          </a:ln>
-          <a:effectLst/>
-          <a:extLst>
-            <a:ext uri="{909E8E84-426E-40DD-AFC4-6F175D3DCCD1}">
-              <a14:hiddenFill xmlns:a14="http://schemas.microsoft.com/office/drawing/2010/main">
+        </p:spPr>
+      </p:pic>
+      <p:sp>
+        <p:nvSpPr>
+          <p:cNvPr id="4" name="矩形 3">
+            <a:extLst>
+              <a:ext uri="{FF2B5EF4-FFF2-40B4-BE49-F238E27FC236}">
+                <a16:creationId xmlns:a16="http://schemas.microsoft.com/office/drawing/2014/main" id="{4216CA4C-6561-4063-B20A-0403314CB7B8}"/>
+              </a:ext>
+            </a:extLst>
+          </p:cNvPr>
+          <p:cNvSpPr/>
+          <p:nvPr/>
+        </p:nvSpPr>
+        <p:spPr>
+          <a:xfrm>
+            <a:off x="6712629" y="4722628"/>
+            <a:ext cx="2431371" cy="369332"/>
+          </a:xfrm>
+          <a:prstGeom prst="rect">
+            <a:avLst/>
+          </a:prstGeom>
+        </p:spPr>
+        <p:txBody>
+          <a:bodyPr wrap="none">
+            <a:spAutoFit/>
+          </a:bodyPr>
+          <a:lstStyle/>
+          <a:p>
+            <a:r>
+              <a:rPr lang="en-US" altLang="zh-CN" dirty="0">
                 <a:solidFill>
                   <a:srgbClr val="FFFFFF"/>
                 </a:solidFill>
-              </a14:hiddenFill>
-            </a:ext>
-            <a:ext uri="{91240B29-F687-4F45-9708-019B960494DF}">
-              <a14:hiddenLine xmlns:a14="http://schemas.microsoft.com/office/drawing/2010/main" w="9525">
-                <a:solidFill>
-                  <a:srgbClr val="000000"/>
-                </a:solidFill>
-                <a:bevel/>
-                <a:headEnd/>
-                <a:tailEnd/>
-              </a14:hiddenLine>
-            </a:ext>
-            <a:ext uri="{AF507438-7753-43E0-B8FC-AC1667EBCBE1}">
-              <a14:hiddenEffects xmlns:a14="http://schemas.microsoft.com/office/drawing/2010/main">
-                <a:effectLst>
-                  <a:outerShdw dist="35921" dir="2700000" algn="ctr" rotWithShape="0">
-                    <a:srgbClr val="808080"/>
-                  </a:outerShdw>
-                </a:effectLst>
-              </a14:hiddenEffects>
-            </a:ext>
-          </a:extLst>
-        </p:spPr>
-      </p:pic>
+                <a:latin typeface="MicrosoftYaHei"/>
+              </a:rPr>
+              <a:t>GRAPHICS LABORATORY</a:t>
+            </a:r>
+            <a:endParaRPr lang="zh-CN" altLang="en-US" dirty="0"/>
+          </a:p>
+        </p:txBody>
+      </p:sp>
     </p:spTree>
+    <p:extLst>
+      <p:ext uri="{BB962C8B-B14F-4D97-AF65-F5344CB8AC3E}">
+        <p14:creationId xmlns:p14="http://schemas.microsoft.com/office/powerpoint/2010/main" val="2211701857"/>
+      </p:ext>
+    </p:extLst>
   </p:cSld>
   <p:clrMapOvr>
     <a:masterClrMapping/>
@@ -4239,76 +3930,6 @@
           <a:chExt cx="0" cy="0"/>
         </a:xfrm>
       </p:grpSpPr>
-      <p:pic>
-        <p:nvPicPr>
-          <p:cNvPr id="3074" name="Picture 2">
-            <a:extLst>
-              <a:ext uri="{FF2B5EF4-FFF2-40B4-BE49-F238E27FC236}">
-                <a16:creationId xmlns:a16="http://schemas.microsoft.com/office/drawing/2014/main" id="{602C339E-BA86-4A21-AB6C-4F6D8491BC39}"/>
-              </a:ext>
-            </a:extLst>
-          </p:cNvPr>
-          <p:cNvPicPr>
-            <a:picLocks noChangeAspect="1" noChangeArrowheads="1"/>
-          </p:cNvPicPr>
-          <p:nvPr/>
-        </p:nvPicPr>
-        <p:blipFill>
-          <a:blip r:embed="rId2">
-            <a:extLst>
-              <a:ext uri="{28A0092B-C50C-407E-A947-70E740481C1C}">
-                <a14:useLocalDpi xmlns:a14="http://schemas.microsoft.com/office/drawing/2010/main" val="0"/>
-              </a:ext>
-            </a:extLst>
-          </a:blip>
-          <a:srcRect/>
-          <a:stretch>
-            <a:fillRect/>
-          </a:stretch>
-        </p:blipFill>
-        <p:spPr bwMode="auto">
-          <a:xfrm>
-            <a:off x="7956550" y="4606925"/>
-            <a:ext cx="1081088" cy="450850"/>
-          </a:xfrm>
-          <a:prstGeom prst="rect">
-            <a:avLst/>
-          </a:prstGeom>
-          <a:noFill/>
-          <a:ln>
-            <a:noFill/>
-          </a:ln>
-          <a:effectLst/>
-          <a:extLst>
-            <a:ext uri="{909E8E84-426E-40DD-AFC4-6F175D3DCCD1}">
-              <a14:hiddenFill xmlns:a14="http://schemas.microsoft.com/office/drawing/2010/main">
-                <a:solidFill>
-                  <a:srgbClr val="FFFFFF"/>
-                </a:solidFill>
-              </a14:hiddenFill>
-            </a:ext>
-            <a:ext uri="{91240B29-F687-4F45-9708-019B960494DF}">
-              <a14:hiddenLine xmlns:a14="http://schemas.microsoft.com/office/drawing/2010/main" w="9525">
-                <a:solidFill>
-                  <a:srgbClr val="000000"/>
-                </a:solidFill>
-                <a:miter lim="800000"/>
-                <a:headEnd/>
-                <a:tailEnd/>
-              </a14:hiddenLine>
-            </a:ext>
-            <a:ext uri="{AF507438-7753-43E0-B8FC-AC1667EBCBE1}">
-              <a14:hiddenEffects xmlns:a14="http://schemas.microsoft.com/office/drawing/2010/main">
-                <a:effectLst>
-                  <a:outerShdw dist="35921" dir="2700000" algn="ctr" rotWithShape="0">
-                    <a:srgbClr val="808080"/>
-                  </a:outerShdw>
-                </a:effectLst>
-              </a14:hiddenEffects>
-            </a:ext>
-          </a:extLst>
-        </p:spPr>
-      </p:pic>
       <p:sp>
         <p:nvSpPr>
           <p:cNvPr id="3075" name="Title 1">
@@ -4991,76 +4612,6 @@
           <a:chExt cx="0" cy="0"/>
         </a:xfrm>
       </p:grpSpPr>
-      <p:pic>
-        <p:nvPicPr>
-          <p:cNvPr id="3074" name="Picture 2">
-            <a:extLst>
-              <a:ext uri="{FF2B5EF4-FFF2-40B4-BE49-F238E27FC236}">
-                <a16:creationId xmlns:a16="http://schemas.microsoft.com/office/drawing/2014/main" id="{602C339E-BA86-4A21-AB6C-4F6D8491BC39}"/>
-              </a:ext>
-            </a:extLst>
-          </p:cNvPr>
-          <p:cNvPicPr>
-            <a:picLocks noChangeAspect="1" noChangeArrowheads="1"/>
-          </p:cNvPicPr>
-          <p:nvPr/>
-        </p:nvPicPr>
-        <p:blipFill>
-          <a:blip r:embed="rId2">
-            <a:extLst>
-              <a:ext uri="{28A0092B-C50C-407E-A947-70E740481C1C}">
-                <a14:useLocalDpi xmlns:a14="http://schemas.microsoft.com/office/drawing/2010/main" val="0"/>
-              </a:ext>
-            </a:extLst>
-          </a:blip>
-          <a:srcRect/>
-          <a:stretch>
-            <a:fillRect/>
-          </a:stretch>
-        </p:blipFill>
-        <p:spPr bwMode="auto">
-          <a:xfrm>
-            <a:off x="7956550" y="4606925"/>
-            <a:ext cx="1081088" cy="450850"/>
-          </a:xfrm>
-          <a:prstGeom prst="rect">
-            <a:avLst/>
-          </a:prstGeom>
-          <a:noFill/>
-          <a:ln>
-            <a:noFill/>
-          </a:ln>
-          <a:effectLst/>
-          <a:extLst>
-            <a:ext uri="{909E8E84-426E-40DD-AFC4-6F175D3DCCD1}">
-              <a14:hiddenFill xmlns:a14="http://schemas.microsoft.com/office/drawing/2010/main">
-                <a:solidFill>
-                  <a:srgbClr val="FFFFFF"/>
-                </a:solidFill>
-              </a14:hiddenFill>
-            </a:ext>
-            <a:ext uri="{91240B29-F687-4F45-9708-019B960494DF}">
-              <a14:hiddenLine xmlns:a14="http://schemas.microsoft.com/office/drawing/2010/main" w="9525">
-                <a:solidFill>
-                  <a:srgbClr val="000000"/>
-                </a:solidFill>
-                <a:miter lim="800000"/>
-                <a:headEnd/>
-                <a:tailEnd/>
-              </a14:hiddenLine>
-            </a:ext>
-            <a:ext uri="{AF507438-7753-43E0-B8FC-AC1667EBCBE1}">
-              <a14:hiddenEffects xmlns:a14="http://schemas.microsoft.com/office/drawing/2010/main">
-                <a:effectLst>
-                  <a:outerShdw dist="35921" dir="2700000" algn="ctr" rotWithShape="0">
-                    <a:srgbClr val="808080"/>
-                  </a:outerShdw>
-                </a:effectLst>
-              </a14:hiddenEffects>
-            </a:ext>
-          </a:extLst>
-        </p:spPr>
-      </p:pic>
       <p:sp>
         <p:nvSpPr>
           <p:cNvPr id="3075" name="Title 1">
@@ -6384,76 +5935,6 @@
           <a:chExt cx="0" cy="0"/>
         </a:xfrm>
       </p:grpSpPr>
-      <p:pic>
-        <p:nvPicPr>
-          <p:cNvPr id="3074" name="Picture 2">
-            <a:extLst>
-              <a:ext uri="{FF2B5EF4-FFF2-40B4-BE49-F238E27FC236}">
-                <a16:creationId xmlns:a16="http://schemas.microsoft.com/office/drawing/2014/main" id="{602C339E-BA86-4A21-AB6C-4F6D8491BC39}"/>
-              </a:ext>
-            </a:extLst>
-          </p:cNvPr>
-          <p:cNvPicPr>
-            <a:picLocks noChangeAspect="1" noChangeArrowheads="1"/>
-          </p:cNvPicPr>
-          <p:nvPr/>
-        </p:nvPicPr>
-        <p:blipFill>
-          <a:blip r:embed="rId2">
-            <a:extLst>
-              <a:ext uri="{28A0092B-C50C-407E-A947-70E740481C1C}">
-                <a14:useLocalDpi xmlns:a14="http://schemas.microsoft.com/office/drawing/2010/main" val="0"/>
-              </a:ext>
-            </a:extLst>
-          </a:blip>
-          <a:srcRect/>
-          <a:stretch>
-            <a:fillRect/>
-          </a:stretch>
-        </p:blipFill>
-        <p:spPr bwMode="auto">
-          <a:xfrm>
-            <a:off x="7956550" y="4606925"/>
-            <a:ext cx="1081088" cy="450850"/>
-          </a:xfrm>
-          <a:prstGeom prst="rect">
-            <a:avLst/>
-          </a:prstGeom>
-          <a:noFill/>
-          <a:ln>
-            <a:noFill/>
-          </a:ln>
-          <a:effectLst/>
-          <a:extLst>
-            <a:ext uri="{909E8E84-426E-40DD-AFC4-6F175D3DCCD1}">
-              <a14:hiddenFill xmlns:a14="http://schemas.microsoft.com/office/drawing/2010/main">
-                <a:solidFill>
-                  <a:srgbClr val="FFFFFF"/>
-                </a:solidFill>
-              </a14:hiddenFill>
-            </a:ext>
-            <a:ext uri="{91240B29-F687-4F45-9708-019B960494DF}">
-              <a14:hiddenLine xmlns:a14="http://schemas.microsoft.com/office/drawing/2010/main" w="9525">
-                <a:solidFill>
-                  <a:srgbClr val="000000"/>
-                </a:solidFill>
-                <a:miter lim="800000"/>
-                <a:headEnd/>
-                <a:tailEnd/>
-              </a14:hiddenLine>
-            </a:ext>
-            <a:ext uri="{AF507438-7753-43E0-B8FC-AC1667EBCBE1}">
-              <a14:hiddenEffects xmlns:a14="http://schemas.microsoft.com/office/drawing/2010/main">
-                <a:effectLst>
-                  <a:outerShdw dist="35921" dir="2700000" algn="ctr" rotWithShape="0">
-                    <a:srgbClr val="808080"/>
-                  </a:outerShdw>
-                </a:effectLst>
-              </a14:hiddenEffects>
-            </a:ext>
-          </a:extLst>
-        </p:spPr>
-      </p:pic>
       <p:sp>
         <p:nvSpPr>
           <p:cNvPr id="3075" name="Title 1">
@@ -8165,66 +7646,6 @@
           <a:chExt cx="0" cy="0"/>
         </a:xfrm>
       </p:grpSpPr>
-      <p:pic>
-        <p:nvPicPr>
-          <p:cNvPr id="8194" name="Picture 2" descr="D:\work\CSDN学院ppt\5.jpg">
-            <a:extLst>
-              <a:ext uri="{FF2B5EF4-FFF2-40B4-BE49-F238E27FC236}">
-                <a16:creationId xmlns:a16="http://schemas.microsoft.com/office/drawing/2014/main" id="{83E22A5A-51B9-4467-B4B9-86F64AB306C3}"/>
-              </a:ext>
-            </a:extLst>
-          </p:cNvPr>
-          <p:cNvPicPr>
-            <a:picLocks noChangeAspect="1" noChangeArrowheads="1"/>
-          </p:cNvPicPr>
-          <p:nvPr/>
-        </p:nvPicPr>
-        <p:blipFill>
-          <a:blip r:embed="rId2">
-            <a:extLst>
-              <a:ext uri="{28A0092B-C50C-407E-A947-70E740481C1C}">
-                <a14:useLocalDpi xmlns:a14="http://schemas.microsoft.com/office/drawing/2010/main" val="0"/>
-              </a:ext>
-            </a:extLst>
-          </a:blip>
-          <a:srcRect/>
-          <a:stretch>
-            <a:fillRect/>
-          </a:stretch>
-        </p:blipFill>
-        <p:spPr bwMode="auto">
-          <a:xfrm>
-            <a:off x="0" y="0"/>
-            <a:ext cx="9140825" cy="5141913"/>
-          </a:xfrm>
-          <a:prstGeom prst="rect">
-            <a:avLst/>
-          </a:prstGeom>
-          <a:noFill/>
-          <a:ln>
-            <a:noFill/>
-          </a:ln>
-          <a:extLst>
-            <a:ext uri="{909E8E84-426E-40DD-AFC4-6F175D3DCCD1}">
-              <a14:hiddenFill xmlns:a14="http://schemas.microsoft.com/office/drawing/2010/main">
-                <a:solidFill>
-                  <a:srgbClr val="FFFFFF"/>
-                </a:solidFill>
-              </a14:hiddenFill>
-            </a:ext>
-            <a:ext uri="{91240B29-F687-4F45-9708-019B960494DF}">
-              <a14:hiddenLine xmlns:a14="http://schemas.microsoft.com/office/drawing/2010/main" w="9525">
-                <a:solidFill>
-                  <a:srgbClr val="000000"/>
-                </a:solidFill>
-                <a:miter lim="800000"/>
-                <a:headEnd/>
-                <a:tailEnd/>
-              </a14:hiddenLine>
-            </a:ext>
-          </a:extLst>
-        </p:spPr>
-      </p:pic>
       <p:sp>
         <p:nvSpPr>
           <p:cNvPr id="8195" name="Title 1">
@@ -8409,774 +7830,6 @@
               <a:ea typeface="Arial Unicode MS" panose="020B0604020202020204" pitchFamily="34" charset="-122"/>
               <a:cs typeface="Arial Unicode MS" panose="020B0604020202020204" pitchFamily="34" charset="-122"/>
               <a:sym typeface="Arial Unicode MS" panose="020B0604020202020204" pitchFamily="34" charset="-122"/>
-            </a:endParaRPr>
-          </a:p>
-        </p:txBody>
-      </p:sp>
-      <p:sp>
-        <p:nvSpPr>
-          <p:cNvPr id="8196" name="矩形 3">
-            <a:extLst>
-              <a:ext uri="{FF2B5EF4-FFF2-40B4-BE49-F238E27FC236}">
-                <a16:creationId xmlns:a16="http://schemas.microsoft.com/office/drawing/2014/main" id="{BE5C8F9D-FB92-4FE2-AA09-E91256B20DEA}"/>
-              </a:ext>
-            </a:extLst>
-          </p:cNvPr>
-          <p:cNvSpPr>
-            <a:spLocks noChangeArrowheads="1"/>
-          </p:cNvSpPr>
-          <p:nvPr/>
-        </p:nvSpPr>
-        <p:spPr bwMode="auto">
-          <a:xfrm>
-            <a:off x="4357688" y="3019425"/>
-            <a:ext cx="2662237" cy="923925"/>
-          </a:xfrm>
-          <a:prstGeom prst="rect">
-            <a:avLst/>
-          </a:prstGeom>
-          <a:noFill/>
-          <a:ln>
-            <a:noFill/>
-          </a:ln>
-          <a:extLst>
-            <a:ext uri="{909E8E84-426E-40DD-AFC4-6F175D3DCCD1}">
-              <a14:hiddenFill xmlns:a14="http://schemas.microsoft.com/office/drawing/2010/main">
-                <a:solidFill>
-                  <a:srgbClr val="FFFFFF"/>
-                </a:solidFill>
-              </a14:hiddenFill>
-            </a:ext>
-            <a:ext uri="{91240B29-F687-4F45-9708-019B960494DF}">
-              <a14:hiddenLine xmlns:a14="http://schemas.microsoft.com/office/drawing/2010/main" w="9525">
-                <a:solidFill>
-                  <a:srgbClr val="000000"/>
-                </a:solidFill>
-                <a:miter lim="800000"/>
-                <a:headEnd/>
-                <a:tailEnd/>
-              </a14:hiddenLine>
-            </a:ext>
-          </a:extLst>
-        </p:spPr>
-        <p:txBody>
-          <a:bodyPr>
-            <a:spAutoFit/>
-          </a:bodyPr>
-          <a:lstStyle>
-            <a:lvl1pPr>
-              <a:buFont typeface="Arial" panose="020B0604020202020204" pitchFamily="34" charset="0"/>
-              <a:defRPr>
-                <a:solidFill>
-                  <a:schemeClr val="tx1"/>
-                </a:solidFill>
-                <a:latin typeface="Arial" panose="020B0604020202020204" pitchFamily="34" charset="0"/>
-                <a:ea typeface="宋体" panose="02010600030101010101" pitchFamily="2" charset="-122"/>
-              </a:defRPr>
-            </a:lvl1pPr>
-            <a:lvl2pPr marL="742950" indent="-285750">
-              <a:buFont typeface="Arial" panose="020B0604020202020204" pitchFamily="34" charset="0"/>
-              <a:defRPr>
-                <a:solidFill>
-                  <a:schemeClr val="tx1"/>
-                </a:solidFill>
-                <a:latin typeface="Arial" panose="020B0604020202020204" pitchFamily="34" charset="0"/>
-                <a:ea typeface="宋体" panose="02010600030101010101" pitchFamily="2" charset="-122"/>
-              </a:defRPr>
-            </a:lvl2pPr>
-            <a:lvl3pPr marL="1143000" indent="-228600">
-              <a:buFont typeface="Arial" panose="020B0604020202020204" pitchFamily="34" charset="0"/>
-              <a:defRPr>
-                <a:solidFill>
-                  <a:schemeClr val="tx1"/>
-                </a:solidFill>
-                <a:latin typeface="Arial" panose="020B0604020202020204" pitchFamily="34" charset="0"/>
-                <a:ea typeface="宋体" panose="02010600030101010101" pitchFamily="2" charset="-122"/>
-              </a:defRPr>
-            </a:lvl3pPr>
-            <a:lvl4pPr marL="1600200" indent="-228600">
-              <a:buFont typeface="Arial" panose="020B0604020202020204" pitchFamily="34" charset="0"/>
-              <a:defRPr>
-                <a:solidFill>
-                  <a:schemeClr val="tx1"/>
-                </a:solidFill>
-                <a:latin typeface="Arial" panose="020B0604020202020204" pitchFamily="34" charset="0"/>
-                <a:ea typeface="宋体" panose="02010600030101010101" pitchFamily="2" charset="-122"/>
-              </a:defRPr>
-            </a:lvl4pPr>
-            <a:lvl5pPr marL="2057400" indent="-228600">
-              <a:buFont typeface="Arial" panose="020B0604020202020204" pitchFamily="34" charset="0"/>
-              <a:defRPr>
-                <a:solidFill>
-                  <a:schemeClr val="tx1"/>
-                </a:solidFill>
-                <a:latin typeface="Arial" panose="020B0604020202020204" pitchFamily="34" charset="0"/>
-                <a:ea typeface="宋体" panose="02010600030101010101" pitchFamily="2" charset="-122"/>
-              </a:defRPr>
-            </a:lvl5pPr>
-            <a:lvl6pPr marL="2514600" indent="-228600" eaLnBrk="0" fontAlgn="base" hangingPunct="0">
-              <a:spcBef>
-                <a:spcPct val="0"/>
-              </a:spcBef>
-              <a:spcAft>
-                <a:spcPct val="0"/>
-              </a:spcAft>
-              <a:buFont typeface="Arial" panose="020B0604020202020204" pitchFamily="34" charset="0"/>
-              <a:defRPr>
-                <a:solidFill>
-                  <a:schemeClr val="tx1"/>
-                </a:solidFill>
-                <a:latin typeface="Arial" panose="020B0604020202020204" pitchFamily="34" charset="0"/>
-                <a:ea typeface="宋体" panose="02010600030101010101" pitchFamily="2" charset="-122"/>
-              </a:defRPr>
-            </a:lvl6pPr>
-            <a:lvl7pPr marL="2971800" indent="-228600" eaLnBrk="0" fontAlgn="base" hangingPunct="0">
-              <a:spcBef>
-                <a:spcPct val="0"/>
-              </a:spcBef>
-              <a:spcAft>
-                <a:spcPct val="0"/>
-              </a:spcAft>
-              <a:buFont typeface="Arial" panose="020B0604020202020204" pitchFamily="34" charset="0"/>
-              <a:defRPr>
-                <a:solidFill>
-                  <a:schemeClr val="tx1"/>
-                </a:solidFill>
-                <a:latin typeface="Arial" panose="020B0604020202020204" pitchFamily="34" charset="0"/>
-                <a:ea typeface="宋体" panose="02010600030101010101" pitchFamily="2" charset="-122"/>
-              </a:defRPr>
-            </a:lvl7pPr>
-            <a:lvl8pPr marL="3429000" indent="-228600" eaLnBrk="0" fontAlgn="base" hangingPunct="0">
-              <a:spcBef>
-                <a:spcPct val="0"/>
-              </a:spcBef>
-              <a:spcAft>
-                <a:spcPct val="0"/>
-              </a:spcAft>
-              <a:buFont typeface="Arial" panose="020B0604020202020204" pitchFamily="34" charset="0"/>
-              <a:defRPr>
-                <a:solidFill>
-                  <a:schemeClr val="tx1"/>
-                </a:solidFill>
-                <a:latin typeface="Arial" panose="020B0604020202020204" pitchFamily="34" charset="0"/>
-                <a:ea typeface="宋体" panose="02010600030101010101" pitchFamily="2" charset="-122"/>
-              </a:defRPr>
-            </a:lvl8pPr>
-            <a:lvl9pPr marL="3886200" indent="-228600" eaLnBrk="0" fontAlgn="base" hangingPunct="0">
-              <a:spcBef>
-                <a:spcPct val="0"/>
-              </a:spcBef>
-              <a:spcAft>
-                <a:spcPct val="0"/>
-              </a:spcAft>
-              <a:buFont typeface="Arial" panose="020B0604020202020204" pitchFamily="34" charset="0"/>
-              <a:defRPr>
-                <a:solidFill>
-                  <a:schemeClr val="tx1"/>
-                </a:solidFill>
-                <a:latin typeface="Arial" panose="020B0604020202020204" pitchFamily="34" charset="0"/>
-                <a:ea typeface="宋体" panose="02010600030101010101" pitchFamily="2" charset="-122"/>
-              </a:defRPr>
-            </a:lvl9pPr>
-          </a:lstStyle>
-          <a:p>
-            <a:pPr eaLnBrk="1" hangingPunct="1"/>
-            <a:r>
-              <a:rPr lang="en-US" altLang="zh-CN" sz="900">
-                <a:solidFill>
-                  <a:srgbClr val="7F7F7F"/>
-                </a:solidFill>
-                <a:latin typeface="微软雅黑" panose="020B0503020204020204" pitchFamily="34" charset="-122"/>
-                <a:ea typeface="微软雅黑" panose="020B0503020204020204" pitchFamily="34" charset="-122"/>
-                <a:sym typeface="微软雅黑" panose="020B0503020204020204" pitchFamily="34" charset="-122"/>
-              </a:rPr>
-              <a:t>CSDN</a:t>
-            </a:r>
-            <a:r>
-              <a:rPr lang="zh-CN" altLang="en-US" sz="900">
-                <a:solidFill>
-                  <a:srgbClr val="7F7F7F"/>
-                </a:solidFill>
-                <a:latin typeface="微软雅黑" panose="020B0503020204020204" pitchFamily="34" charset="-122"/>
-                <a:ea typeface="微软雅黑" panose="020B0503020204020204" pitchFamily="34" charset="-122"/>
-                <a:sym typeface="微软雅黑" panose="020B0503020204020204" pitchFamily="34" charset="-122"/>
-              </a:rPr>
-              <a:t>网站：</a:t>
-            </a:r>
-            <a:r>
-              <a:rPr lang="en-US" altLang="zh-CN" sz="900">
-                <a:solidFill>
-                  <a:srgbClr val="7F7F7F"/>
-                </a:solidFill>
-                <a:latin typeface="微软雅黑" panose="020B0503020204020204" pitchFamily="34" charset="-122"/>
-                <a:ea typeface="微软雅黑" panose="020B0503020204020204" pitchFamily="34" charset="-122"/>
-                <a:sym typeface="微软雅黑" panose="020B0503020204020204" pitchFamily="34" charset="-122"/>
-              </a:rPr>
-              <a:t>www.csdn.net</a:t>
-            </a:r>
-            <a:endParaRPr lang="zh-CN" altLang="en-US" sz="900">
-              <a:solidFill>
-                <a:srgbClr val="7F7F7F"/>
-              </a:solidFill>
-              <a:latin typeface="微软雅黑" panose="020B0503020204020204" pitchFamily="34" charset="-122"/>
-              <a:ea typeface="微软雅黑" panose="020B0503020204020204" pitchFamily="34" charset="-122"/>
-              <a:sym typeface="微软雅黑" panose="020B0503020204020204" pitchFamily="34" charset="-122"/>
-            </a:endParaRPr>
-          </a:p>
-          <a:p>
-            <a:pPr eaLnBrk="1" hangingPunct="1"/>
-            <a:r>
-              <a:rPr lang="zh-CN" altLang="en-US" sz="900">
-                <a:solidFill>
-                  <a:srgbClr val="7F7F7F"/>
-                </a:solidFill>
-                <a:latin typeface="微软雅黑" panose="020B0503020204020204" pitchFamily="34" charset="-122"/>
-                <a:ea typeface="微软雅黑" panose="020B0503020204020204" pitchFamily="34" charset="-122"/>
-                <a:sym typeface="微软雅黑" panose="020B0503020204020204" pitchFamily="34" charset="-122"/>
-              </a:rPr>
-              <a:t>企业服务：</a:t>
-            </a:r>
-            <a:r>
-              <a:rPr lang="en-US" altLang="zh-CN" sz="900">
-                <a:solidFill>
-                  <a:srgbClr val="7F7F7F"/>
-                </a:solidFill>
-                <a:latin typeface="微软雅黑" panose="020B0503020204020204" pitchFamily="34" charset="-122"/>
-                <a:ea typeface="微软雅黑" panose="020B0503020204020204" pitchFamily="34" charset="-122"/>
-                <a:sym typeface="微软雅黑" panose="020B0503020204020204" pitchFamily="34" charset="-122"/>
-              </a:rPr>
-              <a:t>http://ems.csdn.net/</a:t>
-            </a:r>
-            <a:endParaRPr lang="zh-CN" altLang="en-US" sz="900">
-              <a:solidFill>
-                <a:srgbClr val="7F7F7F"/>
-              </a:solidFill>
-              <a:latin typeface="微软雅黑" panose="020B0503020204020204" pitchFamily="34" charset="-122"/>
-              <a:ea typeface="微软雅黑" panose="020B0503020204020204" pitchFamily="34" charset="-122"/>
-              <a:sym typeface="微软雅黑" panose="020B0503020204020204" pitchFamily="34" charset="-122"/>
-            </a:endParaRPr>
-          </a:p>
-          <a:p>
-            <a:pPr eaLnBrk="1" hangingPunct="1"/>
-            <a:r>
-              <a:rPr lang="zh-CN" altLang="en-US" sz="900">
-                <a:solidFill>
-                  <a:srgbClr val="7F7F7F"/>
-                </a:solidFill>
-                <a:latin typeface="微软雅黑" panose="020B0503020204020204" pitchFamily="34" charset="-122"/>
-                <a:ea typeface="微软雅黑" panose="020B0503020204020204" pitchFamily="34" charset="-122"/>
-                <a:sym typeface="微软雅黑" panose="020B0503020204020204" pitchFamily="34" charset="-122"/>
-              </a:rPr>
-              <a:t>人才服务：</a:t>
-            </a:r>
-            <a:r>
-              <a:rPr lang="en-US" altLang="zh-CN" sz="900">
-                <a:solidFill>
-                  <a:srgbClr val="7F7F7F"/>
-                </a:solidFill>
-                <a:latin typeface="微软雅黑" panose="020B0503020204020204" pitchFamily="34" charset="-122"/>
-                <a:ea typeface="微软雅黑" panose="020B0503020204020204" pitchFamily="34" charset="-122"/>
-                <a:sym typeface="微软雅黑" panose="020B0503020204020204" pitchFamily="34" charset="-122"/>
-              </a:rPr>
-              <a:t>http://job.csdn.net/</a:t>
-            </a:r>
-            <a:endParaRPr lang="zh-CN" altLang="en-US" sz="900">
-              <a:solidFill>
-                <a:srgbClr val="7F7F7F"/>
-              </a:solidFill>
-              <a:latin typeface="微软雅黑" panose="020B0503020204020204" pitchFamily="34" charset="-122"/>
-              <a:ea typeface="微软雅黑" panose="020B0503020204020204" pitchFamily="34" charset="-122"/>
-              <a:sym typeface="微软雅黑" panose="020B0503020204020204" pitchFamily="34" charset="-122"/>
-            </a:endParaRPr>
-          </a:p>
-          <a:p>
-            <a:pPr eaLnBrk="1" hangingPunct="1"/>
-            <a:r>
-              <a:rPr lang="en-US" altLang="zh-CN" sz="900">
-                <a:solidFill>
-                  <a:srgbClr val="7F7F7F"/>
-                </a:solidFill>
-                <a:latin typeface="微软雅黑" panose="020B0503020204020204" pitchFamily="34" charset="-122"/>
-                <a:ea typeface="微软雅黑" panose="020B0503020204020204" pitchFamily="34" charset="-122"/>
-                <a:sym typeface="微软雅黑" panose="020B0503020204020204" pitchFamily="34" charset="-122"/>
-              </a:rPr>
-              <a:t>CTO</a:t>
-            </a:r>
-            <a:r>
-              <a:rPr lang="zh-CN" altLang="en-US" sz="900">
-                <a:solidFill>
-                  <a:srgbClr val="7F7F7F"/>
-                </a:solidFill>
-                <a:latin typeface="微软雅黑" panose="020B0503020204020204" pitchFamily="34" charset="-122"/>
-                <a:ea typeface="微软雅黑" panose="020B0503020204020204" pitchFamily="34" charset="-122"/>
-                <a:sym typeface="微软雅黑" panose="020B0503020204020204" pitchFamily="34" charset="-122"/>
-              </a:rPr>
-              <a:t>俱乐部：</a:t>
-            </a:r>
-            <a:r>
-              <a:rPr lang="en-US" altLang="zh-CN" sz="900">
-                <a:solidFill>
-                  <a:srgbClr val="7F7F7F"/>
-                </a:solidFill>
-                <a:latin typeface="微软雅黑" panose="020B0503020204020204" pitchFamily="34" charset="-122"/>
-                <a:ea typeface="微软雅黑" panose="020B0503020204020204" pitchFamily="34" charset="-122"/>
-                <a:sym typeface="微软雅黑" panose="020B0503020204020204" pitchFamily="34" charset="-122"/>
-              </a:rPr>
-              <a:t>http://cto.csdn.net/</a:t>
-            </a:r>
-            <a:endParaRPr lang="zh-CN" altLang="en-US" sz="900">
-              <a:solidFill>
-                <a:srgbClr val="7F7F7F"/>
-              </a:solidFill>
-              <a:latin typeface="微软雅黑" panose="020B0503020204020204" pitchFamily="34" charset="-122"/>
-              <a:ea typeface="微软雅黑" panose="020B0503020204020204" pitchFamily="34" charset="-122"/>
-              <a:sym typeface="微软雅黑" panose="020B0503020204020204" pitchFamily="34" charset="-122"/>
-            </a:endParaRPr>
-          </a:p>
-          <a:p>
-            <a:pPr eaLnBrk="1" hangingPunct="1"/>
-            <a:r>
-              <a:rPr lang="zh-CN" altLang="en-US" sz="900">
-                <a:solidFill>
-                  <a:srgbClr val="7F7F7F"/>
-                </a:solidFill>
-                <a:latin typeface="微软雅黑" panose="020B0503020204020204" pitchFamily="34" charset="-122"/>
-                <a:ea typeface="微软雅黑" panose="020B0503020204020204" pitchFamily="34" charset="-122"/>
-                <a:sym typeface="微软雅黑" panose="020B0503020204020204" pitchFamily="34" charset="-122"/>
-              </a:rPr>
-              <a:t>高校俱乐部：</a:t>
-            </a:r>
-            <a:r>
-              <a:rPr lang="en-US" altLang="zh-CN" sz="900">
-                <a:solidFill>
-                  <a:srgbClr val="7F7F7F"/>
-                </a:solidFill>
-                <a:latin typeface="微软雅黑" panose="020B0503020204020204" pitchFamily="34" charset="-122"/>
-                <a:ea typeface="微软雅黑" panose="020B0503020204020204" pitchFamily="34" charset="-122"/>
-                <a:sym typeface="微软雅黑" panose="020B0503020204020204" pitchFamily="34" charset="-122"/>
-              </a:rPr>
-              <a:t>http://student.csdn.net/</a:t>
-            </a:r>
-            <a:endParaRPr lang="zh-CN" altLang="en-US" sz="900">
-              <a:solidFill>
-                <a:srgbClr val="7F7F7F"/>
-              </a:solidFill>
-              <a:latin typeface="微软雅黑" panose="020B0503020204020204" pitchFamily="34" charset="-122"/>
-              <a:ea typeface="微软雅黑" panose="020B0503020204020204" pitchFamily="34" charset="-122"/>
-              <a:sym typeface="微软雅黑" panose="020B0503020204020204" pitchFamily="34" charset="-122"/>
-            </a:endParaRPr>
-          </a:p>
-          <a:p>
-            <a:pPr eaLnBrk="1" hangingPunct="1"/>
-            <a:r>
-              <a:rPr lang="zh-CN" altLang="en-US" sz="900">
-                <a:solidFill>
-                  <a:srgbClr val="7F7F7F"/>
-                </a:solidFill>
-                <a:latin typeface="微软雅黑" panose="020B0503020204020204" pitchFamily="34" charset="-122"/>
-                <a:ea typeface="微软雅黑" panose="020B0503020204020204" pitchFamily="34" charset="-122"/>
-                <a:sym typeface="微软雅黑" panose="020B0503020204020204" pitchFamily="34" charset="-122"/>
-              </a:rPr>
-              <a:t>程序员杂志：</a:t>
-            </a:r>
-            <a:r>
-              <a:rPr lang="en-US" altLang="zh-CN" sz="900">
-                <a:solidFill>
-                  <a:srgbClr val="7F7F7F"/>
-                </a:solidFill>
-                <a:latin typeface="微软雅黑" panose="020B0503020204020204" pitchFamily="34" charset="-122"/>
-                <a:ea typeface="微软雅黑" panose="020B0503020204020204" pitchFamily="34" charset="-122"/>
-                <a:sym typeface="微软雅黑" panose="020B0503020204020204" pitchFamily="34" charset="-122"/>
-              </a:rPr>
-              <a:t>http://programmer.csdn.net/</a:t>
-            </a:r>
-          </a:p>
-        </p:txBody>
-      </p:sp>
-      <p:sp>
-        <p:nvSpPr>
-          <p:cNvPr id="8197" name="矩形 4">
-            <a:extLst>
-              <a:ext uri="{FF2B5EF4-FFF2-40B4-BE49-F238E27FC236}">
-                <a16:creationId xmlns:a16="http://schemas.microsoft.com/office/drawing/2014/main" id="{5A550E93-40B1-4CA3-B718-1EE1D72F986A}"/>
-              </a:ext>
-            </a:extLst>
-          </p:cNvPr>
-          <p:cNvSpPr>
-            <a:spLocks noChangeArrowheads="1"/>
-          </p:cNvSpPr>
-          <p:nvPr/>
-        </p:nvSpPr>
-        <p:spPr bwMode="auto">
-          <a:xfrm>
-            <a:off x="4368800" y="3952875"/>
-            <a:ext cx="4572000" cy="923925"/>
-          </a:xfrm>
-          <a:prstGeom prst="rect">
-            <a:avLst/>
-          </a:prstGeom>
-          <a:noFill/>
-          <a:ln>
-            <a:noFill/>
-          </a:ln>
-          <a:extLst>
-            <a:ext uri="{909E8E84-426E-40DD-AFC4-6F175D3DCCD1}">
-              <a14:hiddenFill xmlns:a14="http://schemas.microsoft.com/office/drawing/2010/main">
-                <a:solidFill>
-                  <a:srgbClr val="FFFFFF"/>
-                </a:solidFill>
-              </a14:hiddenFill>
-            </a:ext>
-            <a:ext uri="{91240B29-F687-4F45-9708-019B960494DF}">
-              <a14:hiddenLine xmlns:a14="http://schemas.microsoft.com/office/drawing/2010/main" w="9525">
-                <a:solidFill>
-                  <a:srgbClr val="000000"/>
-                </a:solidFill>
-                <a:miter lim="800000"/>
-                <a:headEnd/>
-                <a:tailEnd/>
-              </a14:hiddenLine>
-            </a:ext>
-          </a:extLst>
-        </p:spPr>
-        <p:txBody>
-          <a:bodyPr>
-            <a:spAutoFit/>
-          </a:bodyPr>
-          <a:lstStyle>
-            <a:lvl1pPr>
-              <a:buFont typeface="Arial" panose="020B0604020202020204" pitchFamily="34" charset="0"/>
-              <a:defRPr>
-                <a:solidFill>
-                  <a:schemeClr val="tx1"/>
-                </a:solidFill>
-                <a:latin typeface="Arial" panose="020B0604020202020204" pitchFamily="34" charset="0"/>
-                <a:ea typeface="宋体" panose="02010600030101010101" pitchFamily="2" charset="-122"/>
-              </a:defRPr>
-            </a:lvl1pPr>
-            <a:lvl2pPr marL="742950" indent="-285750">
-              <a:buFont typeface="Arial" panose="020B0604020202020204" pitchFamily="34" charset="0"/>
-              <a:defRPr>
-                <a:solidFill>
-                  <a:schemeClr val="tx1"/>
-                </a:solidFill>
-                <a:latin typeface="Arial" panose="020B0604020202020204" pitchFamily="34" charset="0"/>
-                <a:ea typeface="宋体" panose="02010600030101010101" pitchFamily="2" charset="-122"/>
-              </a:defRPr>
-            </a:lvl2pPr>
-            <a:lvl3pPr marL="1143000" indent="-228600">
-              <a:buFont typeface="Arial" panose="020B0604020202020204" pitchFamily="34" charset="0"/>
-              <a:defRPr>
-                <a:solidFill>
-                  <a:schemeClr val="tx1"/>
-                </a:solidFill>
-                <a:latin typeface="Arial" panose="020B0604020202020204" pitchFamily="34" charset="0"/>
-                <a:ea typeface="宋体" panose="02010600030101010101" pitchFamily="2" charset="-122"/>
-              </a:defRPr>
-            </a:lvl3pPr>
-            <a:lvl4pPr marL="1600200" indent="-228600">
-              <a:buFont typeface="Arial" panose="020B0604020202020204" pitchFamily="34" charset="0"/>
-              <a:defRPr>
-                <a:solidFill>
-                  <a:schemeClr val="tx1"/>
-                </a:solidFill>
-                <a:latin typeface="Arial" panose="020B0604020202020204" pitchFamily="34" charset="0"/>
-                <a:ea typeface="宋体" panose="02010600030101010101" pitchFamily="2" charset="-122"/>
-              </a:defRPr>
-            </a:lvl4pPr>
-            <a:lvl5pPr marL="2057400" indent="-228600">
-              <a:buFont typeface="Arial" panose="020B0604020202020204" pitchFamily="34" charset="0"/>
-              <a:defRPr>
-                <a:solidFill>
-                  <a:schemeClr val="tx1"/>
-                </a:solidFill>
-                <a:latin typeface="Arial" panose="020B0604020202020204" pitchFamily="34" charset="0"/>
-                <a:ea typeface="宋体" panose="02010600030101010101" pitchFamily="2" charset="-122"/>
-              </a:defRPr>
-            </a:lvl5pPr>
-            <a:lvl6pPr marL="2514600" indent="-228600" eaLnBrk="0" fontAlgn="base" hangingPunct="0">
-              <a:spcBef>
-                <a:spcPct val="0"/>
-              </a:spcBef>
-              <a:spcAft>
-                <a:spcPct val="0"/>
-              </a:spcAft>
-              <a:buFont typeface="Arial" panose="020B0604020202020204" pitchFamily="34" charset="0"/>
-              <a:defRPr>
-                <a:solidFill>
-                  <a:schemeClr val="tx1"/>
-                </a:solidFill>
-                <a:latin typeface="Arial" panose="020B0604020202020204" pitchFamily="34" charset="0"/>
-                <a:ea typeface="宋体" panose="02010600030101010101" pitchFamily="2" charset="-122"/>
-              </a:defRPr>
-            </a:lvl6pPr>
-            <a:lvl7pPr marL="2971800" indent="-228600" eaLnBrk="0" fontAlgn="base" hangingPunct="0">
-              <a:spcBef>
-                <a:spcPct val="0"/>
-              </a:spcBef>
-              <a:spcAft>
-                <a:spcPct val="0"/>
-              </a:spcAft>
-              <a:buFont typeface="Arial" panose="020B0604020202020204" pitchFamily="34" charset="0"/>
-              <a:defRPr>
-                <a:solidFill>
-                  <a:schemeClr val="tx1"/>
-                </a:solidFill>
-                <a:latin typeface="Arial" panose="020B0604020202020204" pitchFamily="34" charset="0"/>
-                <a:ea typeface="宋体" panose="02010600030101010101" pitchFamily="2" charset="-122"/>
-              </a:defRPr>
-            </a:lvl7pPr>
-            <a:lvl8pPr marL="3429000" indent="-228600" eaLnBrk="0" fontAlgn="base" hangingPunct="0">
-              <a:spcBef>
-                <a:spcPct val="0"/>
-              </a:spcBef>
-              <a:spcAft>
-                <a:spcPct val="0"/>
-              </a:spcAft>
-              <a:buFont typeface="Arial" panose="020B0604020202020204" pitchFamily="34" charset="0"/>
-              <a:defRPr>
-                <a:solidFill>
-                  <a:schemeClr val="tx1"/>
-                </a:solidFill>
-                <a:latin typeface="Arial" panose="020B0604020202020204" pitchFamily="34" charset="0"/>
-                <a:ea typeface="宋体" panose="02010600030101010101" pitchFamily="2" charset="-122"/>
-              </a:defRPr>
-            </a:lvl8pPr>
-            <a:lvl9pPr marL="3886200" indent="-228600" eaLnBrk="0" fontAlgn="base" hangingPunct="0">
-              <a:spcBef>
-                <a:spcPct val="0"/>
-              </a:spcBef>
-              <a:spcAft>
-                <a:spcPct val="0"/>
-              </a:spcAft>
-              <a:buFont typeface="Arial" panose="020B0604020202020204" pitchFamily="34" charset="0"/>
-              <a:defRPr>
-                <a:solidFill>
-                  <a:schemeClr val="tx1"/>
-                </a:solidFill>
-                <a:latin typeface="Arial" panose="020B0604020202020204" pitchFamily="34" charset="0"/>
-                <a:ea typeface="宋体" panose="02010600030101010101" pitchFamily="2" charset="-122"/>
-              </a:defRPr>
-            </a:lvl9pPr>
-          </a:lstStyle>
-          <a:p>
-            <a:pPr eaLnBrk="1" hangingPunct="1"/>
-            <a:r>
-              <a:rPr lang="en-US" altLang="zh-CN" sz="900">
-                <a:solidFill>
-                  <a:srgbClr val="7F7F7F"/>
-                </a:solidFill>
-                <a:latin typeface="微软雅黑" panose="020B0503020204020204" pitchFamily="34" charset="-122"/>
-                <a:ea typeface="微软雅黑" panose="020B0503020204020204" pitchFamily="34" charset="-122"/>
-                <a:sym typeface="微软雅黑" panose="020B0503020204020204" pitchFamily="34" charset="-122"/>
-              </a:rPr>
-              <a:t>CODE</a:t>
-            </a:r>
-            <a:r>
-              <a:rPr lang="zh-CN" altLang="en-US" sz="900">
-                <a:solidFill>
-                  <a:srgbClr val="7F7F7F"/>
-                </a:solidFill>
-                <a:latin typeface="微软雅黑" panose="020B0503020204020204" pitchFamily="34" charset="-122"/>
-                <a:ea typeface="微软雅黑" panose="020B0503020204020204" pitchFamily="34" charset="-122"/>
-                <a:sym typeface="微软雅黑" panose="020B0503020204020204" pitchFamily="34" charset="-122"/>
-              </a:rPr>
-              <a:t>平台：</a:t>
-            </a:r>
-            <a:r>
-              <a:rPr lang="en-US" altLang="zh-CN" sz="900">
-                <a:solidFill>
-                  <a:srgbClr val="7F7F7F"/>
-                </a:solidFill>
-                <a:latin typeface="微软雅黑" panose="020B0503020204020204" pitchFamily="34" charset="-122"/>
-                <a:ea typeface="微软雅黑" panose="020B0503020204020204" pitchFamily="34" charset="-122"/>
-                <a:sym typeface="微软雅黑" panose="020B0503020204020204" pitchFamily="34" charset="-122"/>
-              </a:rPr>
-              <a:t>https://code.csdn.net/</a:t>
-            </a:r>
-            <a:endParaRPr lang="zh-CN" altLang="en-US" sz="900">
-              <a:solidFill>
-                <a:srgbClr val="7F7F7F"/>
-              </a:solidFill>
-              <a:latin typeface="微软雅黑" panose="020B0503020204020204" pitchFamily="34" charset="-122"/>
-              <a:ea typeface="微软雅黑" panose="020B0503020204020204" pitchFamily="34" charset="-122"/>
-              <a:sym typeface="微软雅黑" panose="020B0503020204020204" pitchFamily="34" charset="-122"/>
-            </a:endParaRPr>
-          </a:p>
-          <a:p>
-            <a:pPr eaLnBrk="1" hangingPunct="1"/>
-            <a:r>
-              <a:rPr lang="zh-CN" altLang="en-US" sz="900">
-                <a:solidFill>
-                  <a:srgbClr val="7F7F7F"/>
-                </a:solidFill>
-                <a:latin typeface="微软雅黑" panose="020B0503020204020204" pitchFamily="34" charset="-122"/>
-                <a:ea typeface="微软雅黑" panose="020B0503020204020204" pitchFamily="34" charset="-122"/>
-                <a:sym typeface="微软雅黑" panose="020B0503020204020204" pitchFamily="34" charset="-122"/>
-              </a:rPr>
-              <a:t>项目外包：</a:t>
-            </a:r>
-            <a:r>
-              <a:rPr lang="en-US" altLang="zh-CN" sz="900">
-                <a:solidFill>
-                  <a:srgbClr val="7F7F7F"/>
-                </a:solidFill>
-                <a:latin typeface="微软雅黑" panose="020B0503020204020204" pitchFamily="34" charset="-122"/>
-                <a:ea typeface="微软雅黑" panose="020B0503020204020204" pitchFamily="34" charset="-122"/>
-                <a:sym typeface="微软雅黑" panose="020B0503020204020204" pitchFamily="34" charset="-122"/>
-              </a:rPr>
-              <a:t>http://www.csto.com/</a:t>
-            </a:r>
-            <a:endParaRPr lang="zh-CN" altLang="en-US" sz="900">
-              <a:solidFill>
-                <a:srgbClr val="7F7F7F"/>
-              </a:solidFill>
-              <a:latin typeface="微软雅黑" panose="020B0503020204020204" pitchFamily="34" charset="-122"/>
-              <a:ea typeface="微软雅黑" panose="020B0503020204020204" pitchFamily="34" charset="-122"/>
-              <a:sym typeface="微软雅黑" panose="020B0503020204020204" pitchFamily="34" charset="-122"/>
-            </a:endParaRPr>
-          </a:p>
-          <a:p>
-            <a:pPr eaLnBrk="1" hangingPunct="1"/>
-            <a:r>
-              <a:rPr lang="en-US" altLang="zh-CN" sz="900">
-                <a:solidFill>
-                  <a:srgbClr val="7F7F7F"/>
-                </a:solidFill>
-                <a:latin typeface="微软雅黑" panose="020B0503020204020204" pitchFamily="34" charset="-122"/>
-                <a:ea typeface="微软雅黑" panose="020B0503020204020204" pitchFamily="34" charset="-122"/>
-                <a:sym typeface="微软雅黑" panose="020B0503020204020204" pitchFamily="34" charset="-122"/>
-              </a:rPr>
-              <a:t>CSDN</a:t>
-            </a:r>
-            <a:r>
-              <a:rPr lang="zh-CN" altLang="en-US" sz="900">
-                <a:solidFill>
-                  <a:srgbClr val="7F7F7F"/>
-                </a:solidFill>
-                <a:latin typeface="微软雅黑" panose="020B0503020204020204" pitchFamily="34" charset="-122"/>
-                <a:ea typeface="微软雅黑" panose="020B0503020204020204" pitchFamily="34" charset="-122"/>
-                <a:sym typeface="微软雅黑" panose="020B0503020204020204" pitchFamily="34" charset="-122"/>
-              </a:rPr>
-              <a:t>博客：</a:t>
-            </a:r>
-            <a:r>
-              <a:rPr lang="en-US" altLang="zh-CN" sz="900">
-                <a:solidFill>
-                  <a:srgbClr val="7F7F7F"/>
-                </a:solidFill>
-                <a:latin typeface="微软雅黑" panose="020B0503020204020204" pitchFamily="34" charset="-122"/>
-                <a:ea typeface="微软雅黑" panose="020B0503020204020204" pitchFamily="34" charset="-122"/>
-                <a:sym typeface="微软雅黑" panose="020B0503020204020204" pitchFamily="34" charset="-122"/>
-              </a:rPr>
-              <a:t>http://blog.csdn.net/</a:t>
-            </a:r>
-            <a:endParaRPr lang="zh-CN" altLang="en-US" sz="900">
-              <a:solidFill>
-                <a:srgbClr val="7F7F7F"/>
-              </a:solidFill>
-              <a:latin typeface="微软雅黑" panose="020B0503020204020204" pitchFamily="34" charset="-122"/>
-              <a:ea typeface="微软雅黑" panose="020B0503020204020204" pitchFamily="34" charset="-122"/>
-              <a:sym typeface="微软雅黑" panose="020B0503020204020204" pitchFamily="34" charset="-122"/>
-            </a:endParaRPr>
-          </a:p>
-          <a:p>
-            <a:pPr eaLnBrk="1" hangingPunct="1"/>
-            <a:r>
-              <a:rPr lang="en-US" altLang="zh-CN" sz="900">
-                <a:solidFill>
-                  <a:srgbClr val="7F7F7F"/>
-                </a:solidFill>
-                <a:latin typeface="微软雅黑" panose="020B0503020204020204" pitchFamily="34" charset="-122"/>
-                <a:ea typeface="微软雅黑" panose="020B0503020204020204" pitchFamily="34" charset="-122"/>
-                <a:sym typeface="微软雅黑" panose="020B0503020204020204" pitchFamily="34" charset="-122"/>
-              </a:rPr>
-              <a:t>CSDN</a:t>
-            </a:r>
-            <a:r>
-              <a:rPr lang="zh-CN" altLang="en-US" sz="900">
-                <a:solidFill>
-                  <a:srgbClr val="7F7F7F"/>
-                </a:solidFill>
-                <a:latin typeface="微软雅黑" panose="020B0503020204020204" pitchFamily="34" charset="-122"/>
-                <a:ea typeface="微软雅黑" panose="020B0503020204020204" pitchFamily="34" charset="-122"/>
-                <a:sym typeface="微软雅黑" panose="020B0503020204020204" pitchFamily="34" charset="-122"/>
-              </a:rPr>
-              <a:t>论坛：</a:t>
-            </a:r>
-            <a:r>
-              <a:rPr lang="en-US" altLang="zh-CN" sz="900">
-                <a:solidFill>
-                  <a:srgbClr val="7F7F7F"/>
-                </a:solidFill>
-                <a:latin typeface="微软雅黑" panose="020B0503020204020204" pitchFamily="34" charset="-122"/>
-                <a:ea typeface="微软雅黑" panose="020B0503020204020204" pitchFamily="34" charset="-122"/>
-                <a:sym typeface="微软雅黑" panose="020B0503020204020204" pitchFamily="34" charset="-122"/>
-              </a:rPr>
-              <a:t>http://bbs.csdn.net/</a:t>
-            </a:r>
-            <a:endParaRPr lang="zh-CN" altLang="en-US" sz="900">
-              <a:solidFill>
-                <a:srgbClr val="7F7F7F"/>
-              </a:solidFill>
-              <a:latin typeface="微软雅黑" panose="020B0503020204020204" pitchFamily="34" charset="-122"/>
-              <a:ea typeface="微软雅黑" panose="020B0503020204020204" pitchFamily="34" charset="-122"/>
-              <a:sym typeface="微软雅黑" panose="020B0503020204020204" pitchFamily="34" charset="-122"/>
-            </a:endParaRPr>
-          </a:p>
-          <a:p>
-            <a:pPr eaLnBrk="1" hangingPunct="1"/>
-            <a:r>
-              <a:rPr lang="en-US" altLang="zh-CN" sz="900">
-                <a:solidFill>
-                  <a:srgbClr val="7F7F7F"/>
-                </a:solidFill>
-                <a:latin typeface="微软雅黑" panose="020B0503020204020204" pitchFamily="34" charset="-122"/>
-                <a:ea typeface="微软雅黑" panose="020B0503020204020204" pitchFamily="34" charset="-122"/>
-                <a:sym typeface="微软雅黑" panose="020B0503020204020204" pitchFamily="34" charset="-122"/>
-              </a:rPr>
-              <a:t>CSDN</a:t>
-            </a:r>
-            <a:r>
-              <a:rPr lang="zh-CN" altLang="en-US" sz="900">
-                <a:solidFill>
-                  <a:srgbClr val="7F7F7F"/>
-                </a:solidFill>
-                <a:latin typeface="微软雅黑" panose="020B0503020204020204" pitchFamily="34" charset="-122"/>
-                <a:ea typeface="微软雅黑" panose="020B0503020204020204" pitchFamily="34" charset="-122"/>
-                <a:sym typeface="微软雅黑" panose="020B0503020204020204" pitchFamily="34" charset="-122"/>
-              </a:rPr>
-              <a:t>下载：</a:t>
-            </a:r>
-            <a:r>
-              <a:rPr lang="en-US" altLang="zh-CN" sz="900">
-                <a:solidFill>
-                  <a:srgbClr val="7F7F7F"/>
-                </a:solidFill>
-                <a:latin typeface="微软雅黑" panose="020B0503020204020204" pitchFamily="34" charset="-122"/>
-                <a:ea typeface="微软雅黑" panose="020B0503020204020204" pitchFamily="34" charset="-122"/>
-                <a:sym typeface="微软雅黑" panose="020B0503020204020204" pitchFamily="34" charset="-122"/>
-              </a:rPr>
-              <a:t>http://download.csdn.net/</a:t>
-            </a:r>
-            <a:endParaRPr lang="en-US" altLang="zh-CN" sz="900" b="1">
-              <a:solidFill>
-                <a:srgbClr val="7F7F7F"/>
-              </a:solidFill>
-              <a:latin typeface="微软雅黑" panose="020B0503020204020204" pitchFamily="34" charset="-122"/>
-              <a:ea typeface="微软雅黑" panose="020B0503020204020204" pitchFamily="34" charset="-122"/>
-              <a:sym typeface="微软雅黑" panose="020B0503020204020204" pitchFamily="34" charset="-122"/>
-            </a:endParaRPr>
-          </a:p>
-          <a:p>
-            <a:pPr eaLnBrk="1" hangingPunct="1"/>
-            <a:endParaRPr lang="zh-CN" altLang="en-US" sz="900">
-              <a:solidFill>
-                <a:srgbClr val="7F7F7F"/>
-              </a:solidFill>
-              <a:latin typeface="微软雅黑" panose="020B0503020204020204" pitchFamily="34" charset="-122"/>
-              <a:ea typeface="微软雅黑" panose="020B0503020204020204" pitchFamily="34" charset="-122"/>
-              <a:sym typeface="微软雅黑" panose="020B0503020204020204" pitchFamily="34" charset="-122"/>
             </a:endParaRPr>
           </a:p>
         </p:txBody>
@@ -9382,77 +8035,259 @@
           </a:p>
         </p:txBody>
       </p:sp>
+      <p:sp>
+        <p:nvSpPr>
+          <p:cNvPr id="8" name="矩形 6">
+            <a:extLst>
+              <a:ext uri="{FF2B5EF4-FFF2-40B4-BE49-F238E27FC236}">
+                <a16:creationId xmlns:a16="http://schemas.microsoft.com/office/drawing/2014/main" id="{97019FA3-2921-442A-AC31-53F7EAE1803B}"/>
+              </a:ext>
+            </a:extLst>
+          </p:cNvPr>
+          <p:cNvSpPr>
+            <a:spLocks noChangeArrowheads="1"/>
+          </p:cNvSpPr>
+          <p:nvPr/>
+        </p:nvSpPr>
+        <p:spPr bwMode="auto">
+          <a:xfrm>
+            <a:off x="0" y="4622222"/>
+            <a:ext cx="9144000" cy="538162"/>
+          </a:xfrm>
+          <a:prstGeom prst="rect">
+            <a:avLst/>
+          </a:prstGeom>
+          <a:solidFill>
+            <a:srgbClr val="C00000"/>
+          </a:solidFill>
+          <a:ln>
+            <a:noFill/>
+          </a:ln>
+          <a:extLst>
+            <a:ext uri="{91240B29-F687-4F45-9708-019B960494DF}">
+              <a14:hiddenLine xmlns:a14="http://schemas.microsoft.com/office/drawing/2010/main" w="25400">
+                <a:solidFill>
+                  <a:srgbClr val="395E8A"/>
+                </a:solidFill>
+                <a:bevel/>
+                <a:headEnd/>
+                <a:tailEnd/>
+              </a14:hiddenLine>
+            </a:ext>
+          </a:extLst>
+        </p:spPr>
+        <p:txBody>
+          <a:bodyPr anchor="ctr"/>
+          <a:lstStyle>
+            <a:lvl1pPr>
+              <a:buFont typeface="Arial" panose="020B0604020202020204" pitchFamily="34" charset="0"/>
+              <a:defRPr>
+                <a:solidFill>
+                  <a:schemeClr val="tx1"/>
+                </a:solidFill>
+                <a:latin typeface="Arial" panose="020B0604020202020204" pitchFamily="34" charset="0"/>
+                <a:ea typeface="宋体" panose="02010600030101010101" pitchFamily="2" charset="-122"/>
+              </a:defRPr>
+            </a:lvl1pPr>
+            <a:lvl2pPr marL="742950" indent="-285750">
+              <a:buFont typeface="Arial" panose="020B0604020202020204" pitchFamily="34" charset="0"/>
+              <a:defRPr>
+                <a:solidFill>
+                  <a:schemeClr val="tx1"/>
+                </a:solidFill>
+                <a:latin typeface="Arial" panose="020B0604020202020204" pitchFamily="34" charset="0"/>
+                <a:ea typeface="宋体" panose="02010600030101010101" pitchFamily="2" charset="-122"/>
+              </a:defRPr>
+            </a:lvl2pPr>
+            <a:lvl3pPr marL="1143000" indent="-228600">
+              <a:buFont typeface="Arial" panose="020B0604020202020204" pitchFamily="34" charset="0"/>
+              <a:defRPr>
+                <a:solidFill>
+                  <a:schemeClr val="tx1"/>
+                </a:solidFill>
+                <a:latin typeface="Arial" panose="020B0604020202020204" pitchFamily="34" charset="0"/>
+                <a:ea typeface="宋体" panose="02010600030101010101" pitchFamily="2" charset="-122"/>
+              </a:defRPr>
+            </a:lvl3pPr>
+            <a:lvl4pPr marL="1600200" indent="-228600">
+              <a:buFont typeface="Arial" panose="020B0604020202020204" pitchFamily="34" charset="0"/>
+              <a:defRPr>
+                <a:solidFill>
+                  <a:schemeClr val="tx1"/>
+                </a:solidFill>
+                <a:latin typeface="Arial" panose="020B0604020202020204" pitchFamily="34" charset="0"/>
+                <a:ea typeface="宋体" panose="02010600030101010101" pitchFamily="2" charset="-122"/>
+              </a:defRPr>
+            </a:lvl4pPr>
+            <a:lvl5pPr marL="2057400" indent="-228600">
+              <a:buFont typeface="Arial" panose="020B0604020202020204" pitchFamily="34" charset="0"/>
+              <a:defRPr>
+                <a:solidFill>
+                  <a:schemeClr val="tx1"/>
+                </a:solidFill>
+                <a:latin typeface="Arial" panose="020B0604020202020204" pitchFamily="34" charset="0"/>
+                <a:ea typeface="宋体" panose="02010600030101010101" pitchFamily="2" charset="-122"/>
+              </a:defRPr>
+            </a:lvl5pPr>
+            <a:lvl6pPr marL="2514600" indent="-228600" eaLnBrk="0" fontAlgn="base" hangingPunct="0">
+              <a:spcBef>
+                <a:spcPct val="0"/>
+              </a:spcBef>
+              <a:spcAft>
+                <a:spcPct val="0"/>
+              </a:spcAft>
+              <a:buFont typeface="Arial" panose="020B0604020202020204" pitchFamily="34" charset="0"/>
+              <a:defRPr>
+                <a:solidFill>
+                  <a:schemeClr val="tx1"/>
+                </a:solidFill>
+                <a:latin typeface="Arial" panose="020B0604020202020204" pitchFamily="34" charset="0"/>
+                <a:ea typeface="宋体" panose="02010600030101010101" pitchFamily="2" charset="-122"/>
+              </a:defRPr>
+            </a:lvl6pPr>
+            <a:lvl7pPr marL="2971800" indent="-228600" eaLnBrk="0" fontAlgn="base" hangingPunct="0">
+              <a:spcBef>
+                <a:spcPct val="0"/>
+              </a:spcBef>
+              <a:spcAft>
+                <a:spcPct val="0"/>
+              </a:spcAft>
+              <a:buFont typeface="Arial" panose="020B0604020202020204" pitchFamily="34" charset="0"/>
+              <a:defRPr>
+                <a:solidFill>
+                  <a:schemeClr val="tx1"/>
+                </a:solidFill>
+                <a:latin typeface="Arial" panose="020B0604020202020204" pitchFamily="34" charset="0"/>
+                <a:ea typeface="宋体" panose="02010600030101010101" pitchFamily="2" charset="-122"/>
+              </a:defRPr>
+            </a:lvl7pPr>
+            <a:lvl8pPr marL="3429000" indent="-228600" eaLnBrk="0" fontAlgn="base" hangingPunct="0">
+              <a:spcBef>
+                <a:spcPct val="0"/>
+              </a:spcBef>
+              <a:spcAft>
+                <a:spcPct val="0"/>
+              </a:spcAft>
+              <a:buFont typeface="Arial" panose="020B0604020202020204" pitchFamily="34" charset="0"/>
+              <a:defRPr>
+                <a:solidFill>
+                  <a:schemeClr val="tx1"/>
+                </a:solidFill>
+                <a:latin typeface="Arial" panose="020B0604020202020204" pitchFamily="34" charset="0"/>
+                <a:ea typeface="宋体" panose="02010600030101010101" pitchFamily="2" charset="-122"/>
+              </a:defRPr>
+            </a:lvl8pPr>
+            <a:lvl9pPr marL="3886200" indent="-228600" eaLnBrk="0" fontAlgn="base" hangingPunct="0">
+              <a:spcBef>
+                <a:spcPct val="0"/>
+              </a:spcBef>
+              <a:spcAft>
+                <a:spcPct val="0"/>
+              </a:spcAft>
+              <a:buFont typeface="Arial" panose="020B0604020202020204" pitchFamily="34" charset="0"/>
+              <a:defRPr>
+                <a:solidFill>
+                  <a:schemeClr val="tx1"/>
+                </a:solidFill>
+                <a:latin typeface="Arial" panose="020B0604020202020204" pitchFamily="34" charset="0"/>
+                <a:ea typeface="宋体" panose="02010600030101010101" pitchFamily="2" charset="-122"/>
+              </a:defRPr>
+            </a:lvl9pPr>
+          </a:lstStyle>
+          <a:p>
+            <a:pPr algn="ctr" eaLnBrk="1" hangingPunct="1"/>
+            <a:endParaRPr lang="zh-CN" altLang="zh-CN">
+              <a:solidFill>
+                <a:srgbClr val="FFFFFF"/>
+              </a:solidFill>
+              <a:latin typeface="宋体" panose="02010600030101010101" pitchFamily="2" charset="-122"/>
+              <a:sym typeface="宋体" panose="02010600030101010101" pitchFamily="2" charset="-122"/>
+            </a:endParaRPr>
+          </a:p>
+        </p:txBody>
+      </p:sp>
       <p:pic>
         <p:nvPicPr>
-          <p:cNvPr id="8199" name="Picture 2">
+          <p:cNvPr id="9" name="图片 8">
             <a:extLst>
               <a:ext uri="{FF2B5EF4-FFF2-40B4-BE49-F238E27FC236}">
-                <a16:creationId xmlns:a16="http://schemas.microsoft.com/office/drawing/2014/main" id="{2656A675-2838-4DE8-A1F0-DE7DF761E3B6}"/>
+                <a16:creationId xmlns:a16="http://schemas.microsoft.com/office/drawing/2014/main" id="{20998B28-A189-4803-A242-B5394D19D896}"/>
               </a:ext>
             </a:extLst>
           </p:cNvPr>
           <p:cNvPicPr>
-            <a:picLocks noChangeAspect="1" noChangeArrowheads="1"/>
+            <a:picLocks noChangeAspect="1"/>
           </p:cNvPicPr>
           <p:nvPr/>
         </p:nvPicPr>
         <p:blipFill>
-          <a:blip r:embed="rId3">
+          <a:blip r:embed="rId2">
             <a:extLst>
               <a:ext uri="{28A0092B-C50C-407E-A947-70E740481C1C}">
                 <a14:useLocalDpi xmlns:a14="http://schemas.microsoft.com/office/drawing/2010/main" val="0"/>
               </a:ext>
             </a:extLst>
           </a:blip>
-          <a:srcRect/>
           <a:stretch>
             <a:fillRect/>
           </a:stretch>
         </p:blipFill>
-        <p:spPr bwMode="auto">
+        <p:spPr>
           <a:xfrm>
-            <a:off x="107950" y="123825"/>
-            <a:ext cx="1296988" cy="539750"/>
+            <a:off x="251641" y="267559"/>
+            <a:ext cx="3379278" cy="4173683"/>
           </a:xfrm>
           <a:prstGeom prst="rect">
             <a:avLst/>
           </a:prstGeom>
-          <a:noFill/>
-          <a:ln>
-            <a:noFill/>
-          </a:ln>
-          <a:effectLst/>
-          <a:extLst>
-            <a:ext uri="{909E8E84-426E-40DD-AFC4-6F175D3DCCD1}">
-              <a14:hiddenFill xmlns:a14="http://schemas.microsoft.com/office/drawing/2010/main">
+        </p:spPr>
+      </p:pic>
+      <p:sp>
+        <p:nvSpPr>
+          <p:cNvPr id="10" name="矩形 9">
+            <a:extLst>
+              <a:ext uri="{FF2B5EF4-FFF2-40B4-BE49-F238E27FC236}">
+                <a16:creationId xmlns:a16="http://schemas.microsoft.com/office/drawing/2014/main" id="{786F9D3C-22E2-48DD-9EE6-2A4DB83E8E0C}"/>
+              </a:ext>
+            </a:extLst>
+          </p:cNvPr>
+          <p:cNvSpPr/>
+          <p:nvPr/>
+        </p:nvSpPr>
+        <p:spPr>
+          <a:xfrm>
+            <a:off x="6712629" y="4722628"/>
+            <a:ext cx="2431371" cy="369332"/>
+          </a:xfrm>
+          <a:prstGeom prst="rect">
+            <a:avLst/>
+          </a:prstGeom>
+        </p:spPr>
+        <p:txBody>
+          <a:bodyPr wrap="none">
+            <a:spAutoFit/>
+          </a:bodyPr>
+          <a:lstStyle/>
+          <a:p>
+            <a:r>
+              <a:rPr lang="en-US" altLang="zh-CN" dirty="0">
                 <a:solidFill>
                   <a:srgbClr val="FFFFFF"/>
                 </a:solidFill>
-              </a14:hiddenFill>
-            </a:ext>
-            <a:ext uri="{91240B29-F687-4F45-9708-019B960494DF}">
-              <a14:hiddenLine xmlns:a14="http://schemas.microsoft.com/office/drawing/2010/main" w="9525">
-                <a:solidFill>
-                  <a:srgbClr val="000000"/>
-                </a:solidFill>
-                <a:miter lim="800000"/>
-                <a:headEnd/>
-                <a:tailEnd/>
-              </a14:hiddenLine>
-            </a:ext>
-            <a:ext uri="{AF507438-7753-43E0-B8FC-AC1667EBCBE1}">
-              <a14:hiddenEffects xmlns:a14="http://schemas.microsoft.com/office/drawing/2010/main">
-                <a:effectLst>
-                  <a:outerShdw dist="35921" dir="2700000" algn="ctr" rotWithShape="0">
-                    <a:srgbClr val="808080"/>
-                  </a:outerShdw>
-                </a:effectLst>
-              </a14:hiddenEffects>
-            </a:ext>
-          </a:extLst>
-        </p:spPr>
-      </p:pic>
+                <a:latin typeface="MicrosoftYaHei"/>
+              </a:rPr>
+              <a:t>GRAPHICS LABORATORY</a:t>
+            </a:r>
+            <a:endParaRPr lang="zh-CN" altLang="en-US" dirty="0"/>
+          </a:p>
+        </p:txBody>
+      </p:sp>
     </p:spTree>
+    <p:extLst>
+      <p:ext uri="{BB962C8B-B14F-4D97-AF65-F5344CB8AC3E}">
+        <p14:creationId xmlns:p14="http://schemas.microsoft.com/office/powerpoint/2010/main" val="1226259202"/>
+      </p:ext>
+    </p:extLst>
   </p:cSld>
   <p:clrMapOvr>
     <a:masterClrMapping/>
@@ -9477,76 +8312,6 @@
           <a:chExt cx="0" cy="0"/>
         </a:xfrm>
       </p:grpSpPr>
-      <p:pic>
-        <p:nvPicPr>
-          <p:cNvPr id="3074" name="Picture 2">
-            <a:extLst>
-              <a:ext uri="{FF2B5EF4-FFF2-40B4-BE49-F238E27FC236}">
-                <a16:creationId xmlns:a16="http://schemas.microsoft.com/office/drawing/2014/main" id="{602C339E-BA86-4A21-AB6C-4F6D8491BC39}"/>
-              </a:ext>
-            </a:extLst>
-          </p:cNvPr>
-          <p:cNvPicPr>
-            <a:picLocks noChangeAspect="1" noChangeArrowheads="1"/>
-          </p:cNvPicPr>
-          <p:nvPr/>
-        </p:nvPicPr>
-        <p:blipFill>
-          <a:blip r:embed="rId2">
-            <a:extLst>
-              <a:ext uri="{28A0092B-C50C-407E-A947-70E740481C1C}">
-                <a14:useLocalDpi xmlns:a14="http://schemas.microsoft.com/office/drawing/2010/main" val="0"/>
-              </a:ext>
-            </a:extLst>
-          </a:blip>
-          <a:srcRect/>
-          <a:stretch>
-            <a:fillRect/>
-          </a:stretch>
-        </p:blipFill>
-        <p:spPr bwMode="auto">
-          <a:xfrm>
-            <a:off x="7956550" y="4606925"/>
-            <a:ext cx="1081088" cy="450850"/>
-          </a:xfrm>
-          <a:prstGeom prst="rect">
-            <a:avLst/>
-          </a:prstGeom>
-          <a:noFill/>
-          <a:ln>
-            <a:noFill/>
-          </a:ln>
-          <a:effectLst/>
-          <a:extLst>
-            <a:ext uri="{909E8E84-426E-40DD-AFC4-6F175D3DCCD1}">
-              <a14:hiddenFill xmlns:a14="http://schemas.microsoft.com/office/drawing/2010/main">
-                <a:solidFill>
-                  <a:srgbClr val="FFFFFF"/>
-                </a:solidFill>
-              </a14:hiddenFill>
-            </a:ext>
-            <a:ext uri="{91240B29-F687-4F45-9708-019B960494DF}">
-              <a14:hiddenLine xmlns:a14="http://schemas.microsoft.com/office/drawing/2010/main" w="9525">
-                <a:solidFill>
-                  <a:srgbClr val="000000"/>
-                </a:solidFill>
-                <a:miter lim="800000"/>
-                <a:headEnd/>
-                <a:tailEnd/>
-              </a14:hiddenLine>
-            </a:ext>
-            <a:ext uri="{AF507438-7753-43E0-B8FC-AC1667EBCBE1}">
-              <a14:hiddenEffects xmlns:a14="http://schemas.microsoft.com/office/drawing/2010/main">
-                <a:effectLst>
-                  <a:outerShdw dist="35921" dir="2700000" algn="ctr" rotWithShape="0">
-                    <a:srgbClr val="808080"/>
-                  </a:outerShdw>
-                </a:effectLst>
-              </a14:hiddenEffects>
-            </a:ext>
-          </a:extLst>
-        </p:spPr>
-      </p:pic>
       <p:sp>
         <p:nvSpPr>
           <p:cNvPr id="3075" name="Title 1">
@@ -11286,76 +10051,6 @@
           <a:chExt cx="0" cy="0"/>
         </a:xfrm>
       </p:grpSpPr>
-      <p:pic>
-        <p:nvPicPr>
-          <p:cNvPr id="3074" name="Picture 2">
-            <a:extLst>
-              <a:ext uri="{FF2B5EF4-FFF2-40B4-BE49-F238E27FC236}">
-                <a16:creationId xmlns:a16="http://schemas.microsoft.com/office/drawing/2014/main" id="{602C339E-BA86-4A21-AB6C-4F6D8491BC39}"/>
-              </a:ext>
-            </a:extLst>
-          </p:cNvPr>
-          <p:cNvPicPr>
-            <a:picLocks noChangeAspect="1" noChangeArrowheads="1"/>
-          </p:cNvPicPr>
-          <p:nvPr/>
-        </p:nvPicPr>
-        <p:blipFill>
-          <a:blip r:embed="rId2">
-            <a:extLst>
-              <a:ext uri="{28A0092B-C50C-407E-A947-70E740481C1C}">
-                <a14:useLocalDpi xmlns:a14="http://schemas.microsoft.com/office/drawing/2010/main" val="0"/>
-              </a:ext>
-            </a:extLst>
-          </a:blip>
-          <a:srcRect/>
-          <a:stretch>
-            <a:fillRect/>
-          </a:stretch>
-        </p:blipFill>
-        <p:spPr bwMode="auto">
-          <a:xfrm>
-            <a:off x="7956550" y="4606925"/>
-            <a:ext cx="1081088" cy="450850"/>
-          </a:xfrm>
-          <a:prstGeom prst="rect">
-            <a:avLst/>
-          </a:prstGeom>
-          <a:noFill/>
-          <a:ln>
-            <a:noFill/>
-          </a:ln>
-          <a:effectLst/>
-          <a:extLst>
-            <a:ext uri="{909E8E84-426E-40DD-AFC4-6F175D3DCCD1}">
-              <a14:hiddenFill xmlns:a14="http://schemas.microsoft.com/office/drawing/2010/main">
-                <a:solidFill>
-                  <a:srgbClr val="FFFFFF"/>
-                </a:solidFill>
-              </a14:hiddenFill>
-            </a:ext>
-            <a:ext uri="{91240B29-F687-4F45-9708-019B960494DF}">
-              <a14:hiddenLine xmlns:a14="http://schemas.microsoft.com/office/drawing/2010/main" w="9525">
-                <a:solidFill>
-                  <a:srgbClr val="000000"/>
-                </a:solidFill>
-                <a:miter lim="800000"/>
-                <a:headEnd/>
-                <a:tailEnd/>
-              </a14:hiddenLine>
-            </a:ext>
-            <a:ext uri="{AF507438-7753-43E0-B8FC-AC1667EBCBE1}">
-              <a14:hiddenEffects xmlns:a14="http://schemas.microsoft.com/office/drawing/2010/main">
-                <a:effectLst>
-                  <a:outerShdw dist="35921" dir="2700000" algn="ctr" rotWithShape="0">
-                    <a:srgbClr val="808080"/>
-                  </a:outerShdw>
-                </a:effectLst>
-              </a14:hiddenEffects>
-            </a:ext>
-          </a:extLst>
-        </p:spPr>
-      </p:pic>
       <p:sp>
         <p:nvSpPr>
           <p:cNvPr id="3075" name="Title 1">
@@ -13543,76 +12238,6 @@
           <a:chExt cx="0" cy="0"/>
         </a:xfrm>
       </p:grpSpPr>
-      <p:pic>
-        <p:nvPicPr>
-          <p:cNvPr id="3074" name="Picture 2">
-            <a:extLst>
-              <a:ext uri="{FF2B5EF4-FFF2-40B4-BE49-F238E27FC236}">
-                <a16:creationId xmlns:a16="http://schemas.microsoft.com/office/drawing/2014/main" id="{602C339E-BA86-4A21-AB6C-4F6D8491BC39}"/>
-              </a:ext>
-            </a:extLst>
-          </p:cNvPr>
-          <p:cNvPicPr>
-            <a:picLocks noChangeAspect="1" noChangeArrowheads="1"/>
-          </p:cNvPicPr>
-          <p:nvPr/>
-        </p:nvPicPr>
-        <p:blipFill>
-          <a:blip r:embed="rId2">
-            <a:extLst>
-              <a:ext uri="{28A0092B-C50C-407E-A947-70E740481C1C}">
-                <a14:useLocalDpi xmlns:a14="http://schemas.microsoft.com/office/drawing/2010/main" val="0"/>
-              </a:ext>
-            </a:extLst>
-          </a:blip>
-          <a:srcRect/>
-          <a:stretch>
-            <a:fillRect/>
-          </a:stretch>
-        </p:blipFill>
-        <p:spPr bwMode="auto">
-          <a:xfrm>
-            <a:off x="7956550" y="4606925"/>
-            <a:ext cx="1081088" cy="450850"/>
-          </a:xfrm>
-          <a:prstGeom prst="rect">
-            <a:avLst/>
-          </a:prstGeom>
-          <a:noFill/>
-          <a:ln>
-            <a:noFill/>
-          </a:ln>
-          <a:effectLst/>
-          <a:extLst>
-            <a:ext uri="{909E8E84-426E-40DD-AFC4-6F175D3DCCD1}">
-              <a14:hiddenFill xmlns:a14="http://schemas.microsoft.com/office/drawing/2010/main">
-                <a:solidFill>
-                  <a:srgbClr val="FFFFFF"/>
-                </a:solidFill>
-              </a14:hiddenFill>
-            </a:ext>
-            <a:ext uri="{91240B29-F687-4F45-9708-019B960494DF}">
-              <a14:hiddenLine xmlns:a14="http://schemas.microsoft.com/office/drawing/2010/main" w="9525">
-                <a:solidFill>
-                  <a:srgbClr val="000000"/>
-                </a:solidFill>
-                <a:miter lim="800000"/>
-                <a:headEnd/>
-                <a:tailEnd/>
-              </a14:hiddenLine>
-            </a:ext>
-            <a:ext uri="{AF507438-7753-43E0-B8FC-AC1667EBCBE1}">
-              <a14:hiddenEffects xmlns:a14="http://schemas.microsoft.com/office/drawing/2010/main">
-                <a:effectLst>
-                  <a:outerShdw dist="35921" dir="2700000" algn="ctr" rotWithShape="0">
-                    <a:srgbClr val="808080"/>
-                  </a:outerShdw>
-                </a:effectLst>
-              </a14:hiddenEffects>
-            </a:ext>
-          </a:extLst>
-        </p:spPr>
-      </p:pic>
       <p:sp>
         <p:nvSpPr>
           <p:cNvPr id="3075" name="Title 1">
@@ -16071,76 +14696,6 @@
           <a:chExt cx="0" cy="0"/>
         </a:xfrm>
       </p:grpSpPr>
-      <p:pic>
-        <p:nvPicPr>
-          <p:cNvPr id="3074" name="Picture 2">
-            <a:extLst>
-              <a:ext uri="{FF2B5EF4-FFF2-40B4-BE49-F238E27FC236}">
-                <a16:creationId xmlns:a16="http://schemas.microsoft.com/office/drawing/2014/main" id="{602C339E-BA86-4A21-AB6C-4F6D8491BC39}"/>
-              </a:ext>
-            </a:extLst>
-          </p:cNvPr>
-          <p:cNvPicPr>
-            <a:picLocks noChangeAspect="1" noChangeArrowheads="1"/>
-          </p:cNvPicPr>
-          <p:nvPr/>
-        </p:nvPicPr>
-        <p:blipFill>
-          <a:blip r:embed="rId2">
-            <a:extLst>
-              <a:ext uri="{28A0092B-C50C-407E-A947-70E740481C1C}">
-                <a14:useLocalDpi xmlns:a14="http://schemas.microsoft.com/office/drawing/2010/main" val="0"/>
-              </a:ext>
-            </a:extLst>
-          </a:blip>
-          <a:srcRect/>
-          <a:stretch>
-            <a:fillRect/>
-          </a:stretch>
-        </p:blipFill>
-        <p:spPr bwMode="auto">
-          <a:xfrm>
-            <a:off x="7956550" y="4606925"/>
-            <a:ext cx="1081088" cy="450850"/>
-          </a:xfrm>
-          <a:prstGeom prst="rect">
-            <a:avLst/>
-          </a:prstGeom>
-          <a:noFill/>
-          <a:ln>
-            <a:noFill/>
-          </a:ln>
-          <a:effectLst/>
-          <a:extLst>
-            <a:ext uri="{909E8E84-426E-40DD-AFC4-6F175D3DCCD1}">
-              <a14:hiddenFill xmlns:a14="http://schemas.microsoft.com/office/drawing/2010/main">
-                <a:solidFill>
-                  <a:srgbClr val="FFFFFF"/>
-                </a:solidFill>
-              </a14:hiddenFill>
-            </a:ext>
-            <a:ext uri="{91240B29-F687-4F45-9708-019B960494DF}">
-              <a14:hiddenLine xmlns:a14="http://schemas.microsoft.com/office/drawing/2010/main" w="9525">
-                <a:solidFill>
-                  <a:srgbClr val="000000"/>
-                </a:solidFill>
-                <a:miter lim="800000"/>
-                <a:headEnd/>
-                <a:tailEnd/>
-              </a14:hiddenLine>
-            </a:ext>
-            <a:ext uri="{AF507438-7753-43E0-B8FC-AC1667EBCBE1}">
-              <a14:hiddenEffects xmlns:a14="http://schemas.microsoft.com/office/drawing/2010/main">
-                <a:effectLst>
-                  <a:outerShdw dist="35921" dir="2700000" algn="ctr" rotWithShape="0">
-                    <a:srgbClr val="808080"/>
-                  </a:outerShdw>
-                </a:effectLst>
-              </a14:hiddenEffects>
-            </a:ext>
-          </a:extLst>
-        </p:spPr>
-      </p:pic>
       <p:sp>
         <p:nvSpPr>
           <p:cNvPr id="3075" name="Title 1">
@@ -19075,76 +17630,6 @@
           <a:chExt cx="0" cy="0"/>
         </a:xfrm>
       </p:grpSpPr>
-      <p:pic>
-        <p:nvPicPr>
-          <p:cNvPr id="3074" name="Picture 2">
-            <a:extLst>
-              <a:ext uri="{FF2B5EF4-FFF2-40B4-BE49-F238E27FC236}">
-                <a16:creationId xmlns:a16="http://schemas.microsoft.com/office/drawing/2014/main" id="{602C339E-BA86-4A21-AB6C-4F6D8491BC39}"/>
-              </a:ext>
-            </a:extLst>
-          </p:cNvPr>
-          <p:cNvPicPr>
-            <a:picLocks noChangeAspect="1" noChangeArrowheads="1"/>
-          </p:cNvPicPr>
-          <p:nvPr/>
-        </p:nvPicPr>
-        <p:blipFill>
-          <a:blip r:embed="rId2">
-            <a:extLst>
-              <a:ext uri="{28A0092B-C50C-407E-A947-70E740481C1C}">
-                <a14:useLocalDpi xmlns:a14="http://schemas.microsoft.com/office/drawing/2010/main" val="0"/>
-              </a:ext>
-            </a:extLst>
-          </a:blip>
-          <a:srcRect/>
-          <a:stretch>
-            <a:fillRect/>
-          </a:stretch>
-        </p:blipFill>
-        <p:spPr bwMode="auto">
-          <a:xfrm>
-            <a:off x="7956550" y="4606925"/>
-            <a:ext cx="1081088" cy="450850"/>
-          </a:xfrm>
-          <a:prstGeom prst="rect">
-            <a:avLst/>
-          </a:prstGeom>
-          <a:noFill/>
-          <a:ln>
-            <a:noFill/>
-          </a:ln>
-          <a:effectLst/>
-          <a:extLst>
-            <a:ext uri="{909E8E84-426E-40DD-AFC4-6F175D3DCCD1}">
-              <a14:hiddenFill xmlns:a14="http://schemas.microsoft.com/office/drawing/2010/main">
-                <a:solidFill>
-                  <a:srgbClr val="FFFFFF"/>
-                </a:solidFill>
-              </a14:hiddenFill>
-            </a:ext>
-            <a:ext uri="{91240B29-F687-4F45-9708-019B960494DF}">
-              <a14:hiddenLine xmlns:a14="http://schemas.microsoft.com/office/drawing/2010/main" w="9525">
-                <a:solidFill>
-                  <a:srgbClr val="000000"/>
-                </a:solidFill>
-                <a:miter lim="800000"/>
-                <a:headEnd/>
-                <a:tailEnd/>
-              </a14:hiddenLine>
-            </a:ext>
-            <a:ext uri="{AF507438-7753-43E0-B8FC-AC1667EBCBE1}">
-              <a14:hiddenEffects xmlns:a14="http://schemas.microsoft.com/office/drawing/2010/main">
-                <a:effectLst>
-                  <a:outerShdw dist="35921" dir="2700000" algn="ctr" rotWithShape="0">
-                    <a:srgbClr val="808080"/>
-                  </a:outerShdw>
-                </a:effectLst>
-              </a14:hiddenEffects>
-            </a:ext>
-          </a:extLst>
-        </p:spPr>
-      </p:pic>
       <p:sp>
         <p:nvSpPr>
           <p:cNvPr id="3075" name="Title 1">
@@ -21405,76 +19890,6 @@
           <a:chExt cx="0" cy="0"/>
         </a:xfrm>
       </p:grpSpPr>
-      <p:pic>
-        <p:nvPicPr>
-          <p:cNvPr id="3074" name="Picture 2">
-            <a:extLst>
-              <a:ext uri="{FF2B5EF4-FFF2-40B4-BE49-F238E27FC236}">
-                <a16:creationId xmlns:a16="http://schemas.microsoft.com/office/drawing/2014/main" id="{602C339E-BA86-4A21-AB6C-4F6D8491BC39}"/>
-              </a:ext>
-            </a:extLst>
-          </p:cNvPr>
-          <p:cNvPicPr>
-            <a:picLocks noChangeAspect="1" noChangeArrowheads="1"/>
-          </p:cNvPicPr>
-          <p:nvPr/>
-        </p:nvPicPr>
-        <p:blipFill>
-          <a:blip r:embed="rId2">
-            <a:extLst>
-              <a:ext uri="{28A0092B-C50C-407E-A947-70E740481C1C}">
-                <a14:useLocalDpi xmlns:a14="http://schemas.microsoft.com/office/drawing/2010/main" val="0"/>
-              </a:ext>
-            </a:extLst>
-          </a:blip>
-          <a:srcRect/>
-          <a:stretch>
-            <a:fillRect/>
-          </a:stretch>
-        </p:blipFill>
-        <p:spPr bwMode="auto">
-          <a:xfrm>
-            <a:off x="7956550" y="4606925"/>
-            <a:ext cx="1081088" cy="450850"/>
-          </a:xfrm>
-          <a:prstGeom prst="rect">
-            <a:avLst/>
-          </a:prstGeom>
-          <a:noFill/>
-          <a:ln>
-            <a:noFill/>
-          </a:ln>
-          <a:effectLst/>
-          <a:extLst>
-            <a:ext uri="{909E8E84-426E-40DD-AFC4-6F175D3DCCD1}">
-              <a14:hiddenFill xmlns:a14="http://schemas.microsoft.com/office/drawing/2010/main">
-                <a:solidFill>
-                  <a:srgbClr val="FFFFFF"/>
-                </a:solidFill>
-              </a14:hiddenFill>
-            </a:ext>
-            <a:ext uri="{91240B29-F687-4F45-9708-019B960494DF}">
-              <a14:hiddenLine xmlns:a14="http://schemas.microsoft.com/office/drawing/2010/main" w="9525">
-                <a:solidFill>
-                  <a:srgbClr val="000000"/>
-                </a:solidFill>
-                <a:miter lim="800000"/>
-                <a:headEnd/>
-                <a:tailEnd/>
-              </a14:hiddenLine>
-            </a:ext>
-            <a:ext uri="{AF507438-7753-43E0-B8FC-AC1667EBCBE1}">
-              <a14:hiddenEffects xmlns:a14="http://schemas.microsoft.com/office/drawing/2010/main">
-                <a:effectLst>
-                  <a:outerShdw dist="35921" dir="2700000" algn="ctr" rotWithShape="0">
-                    <a:srgbClr val="808080"/>
-                  </a:outerShdw>
-                </a:effectLst>
-              </a14:hiddenEffects>
-            </a:ext>
-          </a:extLst>
-        </p:spPr>
-      </p:pic>
       <p:sp>
         <p:nvSpPr>
           <p:cNvPr id="3075" name="Title 1">
@@ -23685,76 +22100,6 @@
           <a:chExt cx="0" cy="0"/>
         </a:xfrm>
       </p:grpSpPr>
-      <p:pic>
-        <p:nvPicPr>
-          <p:cNvPr id="3074" name="Picture 2">
-            <a:extLst>
-              <a:ext uri="{FF2B5EF4-FFF2-40B4-BE49-F238E27FC236}">
-                <a16:creationId xmlns:a16="http://schemas.microsoft.com/office/drawing/2014/main" id="{602C339E-BA86-4A21-AB6C-4F6D8491BC39}"/>
-              </a:ext>
-            </a:extLst>
-          </p:cNvPr>
-          <p:cNvPicPr>
-            <a:picLocks noChangeAspect="1" noChangeArrowheads="1"/>
-          </p:cNvPicPr>
-          <p:nvPr/>
-        </p:nvPicPr>
-        <p:blipFill>
-          <a:blip r:embed="rId2">
-            <a:extLst>
-              <a:ext uri="{28A0092B-C50C-407E-A947-70E740481C1C}">
-                <a14:useLocalDpi xmlns:a14="http://schemas.microsoft.com/office/drawing/2010/main" val="0"/>
-              </a:ext>
-            </a:extLst>
-          </a:blip>
-          <a:srcRect/>
-          <a:stretch>
-            <a:fillRect/>
-          </a:stretch>
-        </p:blipFill>
-        <p:spPr bwMode="auto">
-          <a:xfrm>
-            <a:off x="7956550" y="4606925"/>
-            <a:ext cx="1081088" cy="450850"/>
-          </a:xfrm>
-          <a:prstGeom prst="rect">
-            <a:avLst/>
-          </a:prstGeom>
-          <a:noFill/>
-          <a:ln>
-            <a:noFill/>
-          </a:ln>
-          <a:effectLst/>
-          <a:extLst>
-            <a:ext uri="{909E8E84-426E-40DD-AFC4-6F175D3DCCD1}">
-              <a14:hiddenFill xmlns:a14="http://schemas.microsoft.com/office/drawing/2010/main">
-                <a:solidFill>
-                  <a:srgbClr val="FFFFFF"/>
-                </a:solidFill>
-              </a14:hiddenFill>
-            </a:ext>
-            <a:ext uri="{91240B29-F687-4F45-9708-019B960494DF}">
-              <a14:hiddenLine xmlns:a14="http://schemas.microsoft.com/office/drawing/2010/main" w="9525">
-                <a:solidFill>
-                  <a:srgbClr val="000000"/>
-                </a:solidFill>
-                <a:miter lim="800000"/>
-                <a:headEnd/>
-                <a:tailEnd/>
-              </a14:hiddenLine>
-            </a:ext>
-            <a:ext uri="{AF507438-7753-43E0-B8FC-AC1667EBCBE1}">
-              <a14:hiddenEffects xmlns:a14="http://schemas.microsoft.com/office/drawing/2010/main">
-                <a:effectLst>
-                  <a:outerShdw dist="35921" dir="2700000" algn="ctr" rotWithShape="0">
-                    <a:srgbClr val="808080"/>
-                  </a:outerShdw>
-                </a:effectLst>
-              </a14:hiddenEffects>
-            </a:ext>
-          </a:extLst>
-        </p:spPr>
-      </p:pic>
       <p:sp>
         <p:nvSpPr>
           <p:cNvPr id="3075" name="Title 1">
@@ -26395,76 +24740,6 @@
           <a:chExt cx="0" cy="0"/>
         </a:xfrm>
       </p:grpSpPr>
-      <p:pic>
-        <p:nvPicPr>
-          <p:cNvPr id="3074" name="Picture 2">
-            <a:extLst>
-              <a:ext uri="{FF2B5EF4-FFF2-40B4-BE49-F238E27FC236}">
-                <a16:creationId xmlns:a16="http://schemas.microsoft.com/office/drawing/2014/main" id="{602C339E-BA86-4A21-AB6C-4F6D8491BC39}"/>
-              </a:ext>
-            </a:extLst>
-          </p:cNvPr>
-          <p:cNvPicPr>
-            <a:picLocks noChangeAspect="1" noChangeArrowheads="1"/>
-          </p:cNvPicPr>
-          <p:nvPr/>
-        </p:nvPicPr>
-        <p:blipFill>
-          <a:blip r:embed="rId2">
-            <a:extLst>
-              <a:ext uri="{28A0092B-C50C-407E-A947-70E740481C1C}">
-                <a14:useLocalDpi xmlns:a14="http://schemas.microsoft.com/office/drawing/2010/main" val="0"/>
-              </a:ext>
-            </a:extLst>
-          </a:blip>
-          <a:srcRect/>
-          <a:stretch>
-            <a:fillRect/>
-          </a:stretch>
-        </p:blipFill>
-        <p:spPr bwMode="auto">
-          <a:xfrm>
-            <a:off x="7956550" y="4606925"/>
-            <a:ext cx="1081088" cy="450850"/>
-          </a:xfrm>
-          <a:prstGeom prst="rect">
-            <a:avLst/>
-          </a:prstGeom>
-          <a:noFill/>
-          <a:ln>
-            <a:noFill/>
-          </a:ln>
-          <a:effectLst/>
-          <a:extLst>
-            <a:ext uri="{909E8E84-426E-40DD-AFC4-6F175D3DCCD1}">
-              <a14:hiddenFill xmlns:a14="http://schemas.microsoft.com/office/drawing/2010/main">
-                <a:solidFill>
-                  <a:srgbClr val="FFFFFF"/>
-                </a:solidFill>
-              </a14:hiddenFill>
-            </a:ext>
-            <a:ext uri="{91240B29-F687-4F45-9708-019B960494DF}">
-              <a14:hiddenLine xmlns:a14="http://schemas.microsoft.com/office/drawing/2010/main" w="9525">
-                <a:solidFill>
-                  <a:srgbClr val="000000"/>
-                </a:solidFill>
-                <a:miter lim="800000"/>
-                <a:headEnd/>
-                <a:tailEnd/>
-              </a14:hiddenLine>
-            </a:ext>
-            <a:ext uri="{AF507438-7753-43E0-B8FC-AC1667EBCBE1}">
-              <a14:hiddenEffects xmlns:a14="http://schemas.microsoft.com/office/drawing/2010/main">
-                <a:effectLst>
-                  <a:outerShdw dist="35921" dir="2700000" algn="ctr" rotWithShape="0">
-                    <a:srgbClr val="808080"/>
-                  </a:outerShdw>
-                </a:effectLst>
-              </a14:hiddenEffects>
-            </a:ext>
-          </a:extLst>
-        </p:spPr>
-      </p:pic>
       <p:sp>
         <p:nvSpPr>
           <p:cNvPr id="3075" name="Title 1">
